--- a/Pre-entrega.pptx
+++ b/Pre-entrega.pptx
@@ -5,7 +5,7 @@
     <p:sldMasterId id="2147483667" r:id="rId1"/>
   </p:sldMasterIdLst>
   <p:notesMasterIdLst>
-    <p:notesMasterId r:id="rId10"/>
+    <p:notesMasterId r:id="rId14"/>
   </p:notesMasterIdLst>
   <p:sldIdLst>
     <p:sldId id="269" r:id="rId2"/>
@@ -15,7 +15,11 @@
     <p:sldId id="261" r:id="rId6"/>
     <p:sldId id="262" r:id="rId7"/>
     <p:sldId id="263" r:id="rId8"/>
-    <p:sldId id="268" r:id="rId9"/>
+    <p:sldId id="270" r:id="rId9"/>
+    <p:sldId id="271" r:id="rId10"/>
+    <p:sldId id="272" r:id="rId11"/>
+    <p:sldId id="268" r:id="rId12"/>
+    <p:sldId id="273" r:id="rId13"/>
   </p:sldIdLst>
   <p:sldSz cx="12192000" cy="6858000"/>
   <p:notesSz cx="6858000" cy="9144000"/>
@@ -114,6 +118,11 @@
       </a:defRPr>
     </a:lvl9pPr>
   </p:defaultTextStyle>
+  <p:extLst>
+    <p:ext uri="{EFAFB233-063F-42B5-8137-9DF3F51BA10A}">
+      <p15:sldGuideLst xmlns:p15="http://schemas.microsoft.com/office/powerpoint/2012/main"/>
+    </p:ext>
+  </p:extLst>
 </p:presentation>
 </file>
 
@@ -2098,10 +2107,10 @@
             </a:lnSpc>
           </a:pPr>
           <a:r>
-            <a:rPr lang="es-ES"/>
-            <a:t>Educación y Orientación de Profesionales de la Salud</a:t>
+            <a:rPr lang="es-ES" dirty="0"/>
+            <a:t>Se promueve la Educación y Orientación de Profesionales de la Salud</a:t>
           </a:r>
-          <a:endParaRPr lang="en-US"/>
+          <a:endParaRPr lang="en-US" dirty="0"/>
         </a:p>
       </dgm:t>
     </dgm:pt>
@@ -3199,10 +3208,10 @@
             <a:buNone/>
           </a:pPr>
           <a:r>
-            <a:rPr lang="es-ES" sz="1900" kern="1200"/>
-            <a:t>Educación y Orientación de Profesionales de la Salud</a:t>
+            <a:rPr lang="es-ES" sz="1900" kern="1200" dirty="0"/>
+            <a:t>Se promueve la Educación y Orientación de Profesionales de la Salud</a:t>
           </a:r>
-          <a:endParaRPr lang="en-US" sz="1900" kern="1200"/>
+          <a:endParaRPr lang="en-US" sz="1900" kern="1200" dirty="0"/>
         </a:p>
       </dsp:txBody>
       <dsp:txXfrm>
@@ -7076,86 +7085,6 @@
           <a:bodyPr/>
           <a:lstStyle/>
           <a:p>
-            <a:pPr>
-              <a:buFont typeface="Arial" panose="020B0604020202020204" pitchFamily="34" charset="0"/>
-              <a:buChar char="•"/>
-            </a:pPr>
-            <a:r>
-              <a:rPr lang="es-ES" dirty="0"/>
-              <a:t>Beneficios del Entorno Digital</a:t>
-            </a:r>
-          </a:p>
-          <a:p>
-            <a:pPr>
-              <a:buFont typeface="Arial" panose="020B0604020202020204" pitchFamily="34" charset="0"/>
-              <a:buChar char="•"/>
-            </a:pPr>
-            <a:r>
-              <a:rPr lang="es-ES" dirty="0"/>
-              <a:t>Las aplicaciones de salud se han convertido en una herramienta popular y accesible que ofrece la posibilidad de brindar apoyo personalizado para mejorar la pérdida de peso y el control del índice de masa corporal (IMC). Estas aplicaciones permiten a los usuarios llevar un registro constante y en tiempo real de su dieta y actividad física, lo que les brinda un mayor control y conciencia de sus hábitos diarios. Además, estas herramientas digitales ofrecen un enfoque motivador para promover estilos de vida saludables.</a:t>
-            </a:r>
-          </a:p>
-          <a:p>
-            <a:pPr>
-              <a:buFont typeface="Arial" panose="020B0604020202020204" pitchFamily="34" charset="0"/>
-              <a:buChar char="•"/>
-            </a:pPr>
-            <a:r>
-              <a:rPr lang="es-ES" dirty="0"/>
-              <a:t>Abstracto</a:t>
-            </a:r>
-          </a:p>
-          <a:p>
-            <a:pPr>
-              <a:buFont typeface="Arial" panose="020B0604020202020204" pitchFamily="34" charset="0"/>
-              <a:buChar char="•"/>
-            </a:pPr>
-            <a:r>
-              <a:rPr lang="es-ES" dirty="0"/>
-              <a:t>El presente trabajo propone revisar información contenida en bases de datos para analizar la contribución de las aplicaciones de salud en la reducción de peso y la mejora del IMC. El objetivo de este estudio es analizar los datos de obesidad recopilados en bases de datos públicas para impulsar el desarrollo y la venta de una aplicación de salud para dispositivos móviles que facilite a las personas lograr una pérdida de peso saludable. Además, se busca identificar los factores que influyen en la adopción y el uso continuo de estas aplicaciones, así como explorar posibles correlaciones entre la frecuencia de uso y los resultados de pérdida de peso.</a:t>
-            </a:r>
-          </a:p>
-          <a:p>
-            <a:pPr>
-              <a:buFont typeface="Arial" panose="020B0604020202020204" pitchFamily="34" charset="0"/>
-              <a:buChar char="•"/>
-            </a:pPr>
-            <a:r>
-              <a:rPr lang="es-ES" dirty="0"/>
-              <a:t>Definición de Objetivo</a:t>
-            </a:r>
-          </a:p>
-          <a:p>
-            <a:pPr>
-              <a:buFont typeface="Arial" panose="020B0604020202020204" pitchFamily="34" charset="0"/>
-              <a:buChar char="•"/>
-            </a:pPr>
-            <a:r>
-              <a:rPr lang="es-ES" dirty="0"/>
-              <a:t>El objetivo de este estudio es analizar la contribución de las aplicaciones de salud en la reducción de peso y la mejora del IMC. Se revisarán datos de obesidad recopilados en bases de datos públicas y se buscará impulsar el desarrollo y la venta de una aplicación de salud para dispositivos móviles que facilite a las personas lograr una pérdida de peso saludable. Además, se identificarán los factores que influyen en la adopción y el uso continuo de estas aplicaciones, así como posibles correlaciones entre la frecuencia de uso y los resultados de pérdida de peso.</a:t>
-            </a:r>
-          </a:p>
-          <a:p>
-            <a:pPr>
-              <a:buFont typeface="Arial" panose="020B0604020202020204" pitchFamily="34" charset="0"/>
-              <a:buChar char="•"/>
-            </a:pPr>
-            <a:r>
-              <a:rPr lang="es-ES" dirty="0"/>
-              <a:t>Contexto y Desafío Comercial</a:t>
-            </a:r>
-          </a:p>
-          <a:p>
-            <a:pPr>
-              <a:buFont typeface="Arial" panose="020B0604020202020204" pitchFamily="34" charset="0"/>
-              <a:buChar char="•"/>
-            </a:pPr>
-            <a:r>
-              <a:rPr lang="es-ES" dirty="0"/>
-              <a:t>La posibilidad de llevar un registro constante y en tiempo real de la dieta y la actividad física ha demostrado ser altamente motivador para los usuarios, ya que les permite tener un mayor control y conciencia de sus hábitos diarios. Esto ha llevado al desarrollo y la venta de numerosas aplicaciones de salud que buscan brindar apoyo personalizado para mejorar la pérdida de peso y el control del IMC. Sin embargo, existe un desafío comercial en cuanto a la adopción y el uso continuo de estas aplicaciones, así como en la comprensión de su impacto a largo plazo y su efectividad en diferentes poblaciones.</a:t>
-            </a:r>
-          </a:p>
-          <a:p>
             <a:endParaRPr lang="es-AR" dirty="0"/>
           </a:p>
         </p:txBody>
@@ -7472,7 +7401,7 @@
             <a:fld id="{08B9EBBA-996F-894A-B54A-D6246ED52CEA}" type="datetimeFigureOut">
               <a:rPr lang="en-US" smtClean="0"/>
               <a:pPr/>
-              <a:t>9/16/2023</a:t>
+              <a:t>9/23/2023</a:t>
             </a:fld>
             <a:endParaRPr lang="en-US" dirty="0"/>
           </a:p>
@@ -7910,7 +7839,7 @@
             <a:fld id="{09B482E8-6E0E-1B4F-B1FD-C69DB9E858D9}" type="datetimeFigureOut">
               <a:rPr lang="en-US" smtClean="0"/>
               <a:pPr/>
-              <a:t>9/16/2023</a:t>
+              <a:t>9/23/2023</a:t>
             </a:fld>
             <a:endParaRPr lang="en-US" dirty="0"/>
           </a:p>
@@ -8163,7 +8092,7 @@
             <a:fld id="{09B482E8-6E0E-1B4F-B1FD-C69DB9E858D9}" type="datetimeFigureOut">
               <a:rPr lang="en-US" smtClean="0"/>
               <a:pPr/>
-              <a:t>9/16/2023</a:t>
+              <a:t>9/23/2023</a:t>
             </a:fld>
             <a:endParaRPr lang="en-US" dirty="0"/>
           </a:p>
@@ -8474,7 +8403,7 @@
             <a:fld id="{09B482E8-6E0E-1B4F-B1FD-C69DB9E858D9}" type="datetimeFigureOut">
               <a:rPr lang="en-US" smtClean="0"/>
               <a:pPr/>
-              <a:t>9/16/2023</a:t>
+              <a:t>9/23/2023</a:t>
             </a:fld>
             <a:endParaRPr lang="en-US" dirty="0"/>
           </a:p>
@@ -8795,7 +8724,7 @@
             <a:fld id="{09B482E8-6E0E-1B4F-B1FD-C69DB9E858D9}" type="datetimeFigureOut">
               <a:rPr lang="en-US" smtClean="0"/>
               <a:pPr/>
-              <a:t>9/16/2023</a:t>
+              <a:t>9/23/2023</a:t>
             </a:fld>
             <a:endParaRPr lang="en-US" dirty="0"/>
           </a:p>
@@ -9100,7 +9029,7 @@
             <a:fld id="{09B482E8-6E0E-1B4F-B1FD-C69DB9E858D9}" type="datetimeFigureOut">
               <a:rPr lang="en-US" smtClean="0"/>
               <a:pPr/>
-              <a:t>9/16/2023</a:t>
+              <a:t>9/23/2023</a:t>
             </a:fld>
             <a:endParaRPr lang="en-US" dirty="0"/>
           </a:p>
@@ -9470,7 +9399,7 @@
             <a:fld id="{09B482E8-6E0E-1B4F-B1FD-C69DB9E858D9}" type="datetimeFigureOut">
               <a:rPr lang="en-US" smtClean="0"/>
               <a:pPr/>
-              <a:t>9/16/2023</a:t>
+              <a:t>9/23/2023</a:t>
             </a:fld>
             <a:endParaRPr lang="en-US" dirty="0"/>
           </a:p>
@@ -9647,7 +9576,7 @@
             <a:fld id="{C6C52C72-DE31-F449-A4ED-4C594FD91407}" type="datetimeFigureOut">
               <a:rPr lang="en-US" smtClean="0"/>
               <a:pPr/>
-              <a:t>9/16/2023</a:t>
+              <a:t>9/23/2023</a:t>
             </a:fld>
             <a:endParaRPr lang="en-US" dirty="0"/>
           </a:p>
@@ -9829,7 +9758,7 @@
             <a:fld id="{ED62726E-379B-B349-9EED-81ED093FA806}" type="datetimeFigureOut">
               <a:rPr lang="en-US" smtClean="0"/>
               <a:pPr/>
-              <a:t>9/16/2023</a:t>
+              <a:t>9/23/2023</a:t>
             </a:fld>
             <a:endParaRPr lang="en-US" dirty="0"/>
           </a:p>
@@ -10001,7 +9930,7 @@
             <a:fld id="{9B3A1323-8D79-1946-B0D7-40001CF92E9D}" type="datetimeFigureOut">
               <a:rPr lang="en-US" smtClean="0"/>
               <a:pPr/>
-              <a:t>9/16/2023</a:t>
+              <a:t>9/23/2023</a:t>
             </a:fld>
             <a:endParaRPr lang="en-US" dirty="0"/>
           </a:p>
@@ -10253,7 +10182,7 @@
             <a:fld id="{8DFA1846-DA80-1C48-A609-854EA85C59AD}" type="datetimeFigureOut">
               <a:rPr lang="en-US" smtClean="0"/>
               <a:pPr/>
-              <a:t>9/16/2023</a:t>
+              <a:t>9/23/2023</a:t>
             </a:fld>
             <a:endParaRPr lang="en-US" dirty="0"/>
           </a:p>
@@ -10491,7 +10420,7 @@
             <a:fld id="{57302355-E14B-8545-A8F8-0FE83CC9D524}" type="datetimeFigureOut">
               <a:rPr lang="en-US" smtClean="0"/>
               <a:pPr/>
-              <a:t>9/16/2023</a:t>
+              <a:t>9/23/2023</a:t>
             </a:fld>
             <a:endParaRPr lang="en-US" dirty="0"/>
           </a:p>
@@ -10875,7 +10804,7 @@
             <a:fld id="{02640F58-564D-2B4F-AE67-E407BA4FCF45}" type="datetimeFigureOut">
               <a:rPr lang="en-US" smtClean="0"/>
               <a:pPr/>
-              <a:t>9/16/2023</a:t>
+              <a:t>9/23/2023</a:t>
             </a:fld>
             <a:endParaRPr lang="en-US" dirty="0"/>
           </a:p>
@@ -10995,7 +10924,7 @@
             <a:fld id="{F13A34C8-038E-2045-AF43-DF7DBB8E0E9E}" type="datetimeFigureOut">
               <a:rPr lang="en-US" smtClean="0"/>
               <a:pPr/>
-              <a:t>9/16/2023</a:t>
+              <a:t>9/23/2023</a:t>
             </a:fld>
             <a:endParaRPr lang="en-US" dirty="0"/>
           </a:p>
@@ -11092,7 +11021,7 @@
             <a:fld id="{8818C68F-D26B-8F47-958C-23B49CF8A634}" type="datetimeFigureOut">
               <a:rPr lang="en-US" smtClean="0"/>
               <a:pPr/>
-              <a:t>9/16/2023</a:t>
+              <a:t>9/23/2023</a:t>
             </a:fld>
             <a:endParaRPr lang="en-US" dirty="0"/>
           </a:p>
@@ -11349,7 +11278,7 @@
             <a:fld id="{D0DF5E60-9974-AC48-9591-99C2BB44B7CF}" type="datetimeFigureOut">
               <a:rPr lang="en-US" smtClean="0"/>
               <a:pPr/>
-              <a:t>9/16/2023</a:t>
+              <a:t>9/23/2023</a:t>
             </a:fld>
             <a:endParaRPr lang="en-US" dirty="0"/>
           </a:p>
@@ -11634,7 +11563,7 @@
             <a:fld id="{09B482E8-6E0E-1B4F-B1FD-C69DB9E858D9}" type="datetimeFigureOut">
               <a:rPr lang="en-US" smtClean="0"/>
               <a:pPr/>
-              <a:t>9/16/2023</a:t>
+              <a:t>9/23/2023</a:t>
             </a:fld>
             <a:endParaRPr lang="en-US" dirty="0"/>
           </a:p>
@@ -12043,7 +11972,7 @@
             <a:fld id="{09B482E8-6E0E-1B4F-B1FD-C69DB9E858D9}" type="datetimeFigureOut">
               <a:rPr lang="en-US" smtClean="0"/>
               <a:pPr/>
-              <a:t>9/16/2023</a:t>
+              <a:t>9/23/2023</a:t>
             </a:fld>
             <a:endParaRPr lang="en-US" dirty="0"/>
           </a:p>
@@ -12634,10 +12563,1762 @@
           </a:prstGeom>
         </p:spPr>
       </p:pic>
+      <p:sp>
+        <p:nvSpPr>
+          <p:cNvPr id="2" name="CuadroTexto 1">
+            <a:extLst>
+              <a:ext uri="{FF2B5EF4-FFF2-40B4-BE49-F238E27FC236}">
+                <a16:creationId xmlns:a16="http://schemas.microsoft.com/office/drawing/2014/main" id="{F511672B-23A4-1CE7-3E17-CECA2D9894F7}"/>
+              </a:ext>
+            </a:extLst>
+          </p:cNvPr>
+          <p:cNvSpPr txBox="1"/>
+          <p:nvPr/>
+        </p:nvSpPr>
+        <p:spPr>
+          <a:xfrm>
+            <a:off x="265813" y="6198137"/>
+            <a:ext cx="4572000" cy="584775"/>
+          </a:xfrm>
+          <a:prstGeom prst="rect">
+            <a:avLst/>
+          </a:prstGeom>
+          <a:noFill/>
+        </p:spPr>
+        <p:txBody>
+          <a:bodyPr wrap="square" rtlCol="0">
+            <a:spAutoFit/>
+          </a:bodyPr>
+          <a:lstStyle/>
+          <a:p>
+            <a:r>
+              <a:rPr lang="es-AR" sz="1600" dirty="0"/>
+              <a:t>Autor: Daniel Campo</a:t>
+            </a:r>
+          </a:p>
+          <a:p>
+            <a:r>
+              <a:rPr lang="es-AR" sz="1600" dirty="0"/>
+              <a:t>2023</a:t>
+            </a:r>
+            <a:endParaRPr lang="es-AR" dirty="0"/>
+          </a:p>
+        </p:txBody>
+      </p:sp>
+      <p:sp>
+        <p:nvSpPr>
+          <p:cNvPr id="3" name="CuadroTexto 2">
+            <a:extLst>
+              <a:ext uri="{FF2B5EF4-FFF2-40B4-BE49-F238E27FC236}">
+                <a16:creationId xmlns:a16="http://schemas.microsoft.com/office/drawing/2014/main" id="{25DF592E-F4D6-8D8F-23CB-3FDDCB3373A2}"/>
+              </a:ext>
+            </a:extLst>
+          </p:cNvPr>
+          <p:cNvSpPr txBox="1"/>
+          <p:nvPr/>
+        </p:nvSpPr>
+        <p:spPr>
+          <a:xfrm>
+            <a:off x="265813" y="5052828"/>
+            <a:ext cx="4572000" cy="646331"/>
+          </a:xfrm>
+          <a:prstGeom prst="rect">
+            <a:avLst/>
+          </a:prstGeom>
+          <a:noFill/>
+        </p:spPr>
+        <p:txBody>
+          <a:bodyPr wrap="square" rtlCol="0">
+            <a:spAutoFit/>
+          </a:bodyPr>
+          <a:lstStyle/>
+          <a:p>
+            <a:r>
+              <a:rPr lang="es-AR" sz="1600" dirty="0"/>
+              <a:t>APP</a:t>
+            </a:r>
+            <a:r>
+              <a:rPr lang="es-AR" dirty="0">
+                <a:latin typeface="Eras Bold ITC" panose="020B0907030504020204" pitchFamily="34" charset="0"/>
+              </a:rPr>
+              <a:t> </a:t>
+            </a:r>
+            <a:r>
+              <a:rPr lang="es-AR" sz="2000" i="1" dirty="0">
+                <a:solidFill>
+                  <a:srgbClr val="00B0F0"/>
+                </a:solidFill>
+                <a:latin typeface="Eras Bold ITC" panose="020B0907030504020204" pitchFamily="34" charset="0"/>
+              </a:rPr>
+              <a:t>REALLY</a:t>
+            </a:r>
+            <a:endParaRPr lang="es-AR" i="1" dirty="0">
+              <a:solidFill>
+                <a:srgbClr val="00B0F0"/>
+              </a:solidFill>
+              <a:latin typeface="Eras Bold ITC" panose="020B0907030504020204" pitchFamily="34" charset="0"/>
+            </a:endParaRPr>
+          </a:p>
+          <a:p>
+            <a:r>
+              <a:rPr lang="es-AR" sz="1600" dirty="0"/>
+              <a:t>Aplicación para la Salud</a:t>
+            </a:r>
+          </a:p>
+        </p:txBody>
+      </p:sp>
     </p:spTree>
     <p:extLst>
       <p:ext uri="{BB962C8B-B14F-4D97-AF65-F5344CB8AC3E}">
         <p14:creationId xmlns:p14="http://schemas.microsoft.com/office/powerpoint/2010/main" val="628116246"/>
+      </p:ext>
+    </p:extLst>
+  </p:cSld>
+  <p:clrMapOvr>
+    <a:masterClrMapping/>
+  </p:clrMapOvr>
+</p:sld>
+</file>
+
+<file path=ppt/slides/slide10.xml><?xml version="1.0" encoding="utf-8"?>
+<p:sld xmlns:a="http://schemas.openxmlformats.org/drawingml/2006/main" xmlns:r="http://schemas.openxmlformats.org/officeDocument/2006/relationships" xmlns:p="http://schemas.openxmlformats.org/presentationml/2006/main">
+  <p:cSld>
+    <p:bg>
+      <p:bgPr>
+        <a:gradFill rotWithShape="1">
+          <a:gsLst>
+            <a:gs pos="10000">
+              <a:schemeClr val="bg2">
+                <a:tint val="97000"/>
+                <a:hueMod val="92000"/>
+                <a:satMod val="169000"/>
+                <a:lumMod val="164000"/>
+              </a:schemeClr>
+            </a:gs>
+            <a:gs pos="100000">
+              <a:schemeClr val="bg2">
+                <a:shade val="96000"/>
+                <a:satMod val="120000"/>
+                <a:lumMod val="90000"/>
+              </a:schemeClr>
+            </a:gs>
+          </a:gsLst>
+          <a:lin ang="6120000" scaled="1"/>
+        </a:gradFill>
+        <a:effectLst/>
+      </p:bgPr>
+    </p:bg>
+    <p:spTree>
+      <p:nvGrpSpPr>
+        <p:cNvPr id="1" name=""/>
+        <p:cNvGrpSpPr/>
+        <p:nvPr/>
+      </p:nvGrpSpPr>
+      <p:grpSpPr>
+        <a:xfrm>
+          <a:off x="0" y="0"/>
+          <a:ext cx="0" cy="0"/>
+          <a:chOff x="0" y="0"/>
+          <a:chExt cx="0" cy="0"/>
+        </a:xfrm>
+      </p:grpSpPr>
+      <p:grpSp>
+        <p:nvGrpSpPr>
+          <p:cNvPr id="36" name="Group 35">
+            <a:extLst>
+              <a:ext uri="{FF2B5EF4-FFF2-40B4-BE49-F238E27FC236}">
+                <a16:creationId xmlns:a16="http://schemas.microsoft.com/office/drawing/2014/main" id="{8F1EF17D-1B70-428C-8A8A-A2C5B390E1E9}"/>
+              </a:ext>
+              <a:ext uri="{C183D7F6-B498-43B3-948B-1728B52AA6E4}">
+                <adec:decorative xmlns:adec="http://schemas.microsoft.com/office/drawing/2017/decorative" val="1"/>
+              </a:ext>
+            </a:extLst>
+          </p:cNvPr>
+          <p:cNvGrpSpPr>
+            <a:grpSpLocks noGrp="1" noUngrp="1" noRot="1" noChangeAspect="1" noMove="1" noResize="1"/>
+          </p:cNvGrpSpPr>
+          <p:nvPr>
+            <p:extLst>
+              <p:ext uri="{386F3935-93C4-4BCD-93E2-E3B085C9AB24}">
+                <p16:designElem xmlns:p16="http://schemas.microsoft.com/office/powerpoint/2015/main" val="1"/>
+              </p:ext>
+            </p:extLst>
+          </p:nvPr>
+        </p:nvGrpSpPr>
+        <p:grpSpPr>
+          <a:xfrm>
+            <a:off x="9206969" y="2963333"/>
+            <a:ext cx="2981858" cy="3208867"/>
+            <a:chOff x="9206969" y="2963333"/>
+            <a:chExt cx="2981858" cy="3208867"/>
+          </a:xfrm>
+        </p:grpSpPr>
+        <p:cxnSp>
+          <p:nvCxnSpPr>
+            <p:cNvPr id="37" name="Straight Connector 36">
+              <a:extLst>
+                <a:ext uri="{FF2B5EF4-FFF2-40B4-BE49-F238E27FC236}">
+                  <a16:creationId xmlns:a16="http://schemas.microsoft.com/office/drawing/2014/main" id="{12FAEDF3-CEC8-4BF6-8EA7-4079C471838C}"/>
+                </a:ext>
+                <a:ext uri="{C183D7F6-B498-43B3-948B-1728B52AA6E4}">
+                  <adec:decorative xmlns:adec="http://schemas.microsoft.com/office/drawing/2017/decorative" val="1"/>
+                </a:ext>
+              </a:extLst>
+            </p:cNvPr>
+            <p:cNvCxnSpPr/>
+            <p:nvPr>
+              <p:extLst>
+                <p:ext uri="{386F3935-93C4-4BCD-93E2-E3B085C9AB24}">
+                  <p16:designElem xmlns:p16="http://schemas.microsoft.com/office/powerpoint/2015/main" val="1"/>
+                </p:ext>
+              </p:extLst>
+            </p:nvPr>
+          </p:nvCxnSpPr>
+          <p:spPr>
+            <a:xfrm flipH="1">
+              <a:off x="11276012" y="2963333"/>
+              <a:ext cx="912814" cy="912812"/>
+            </a:xfrm>
+            <a:prstGeom prst="line">
+              <a:avLst/>
+            </a:prstGeom>
+            <a:ln w="9525">
+              <a:solidFill>
+                <a:schemeClr val="tx1"/>
+              </a:solidFill>
+            </a:ln>
+          </p:spPr>
+          <p:style>
+            <a:lnRef idx="2">
+              <a:schemeClr val="accent1"/>
+            </a:lnRef>
+            <a:fillRef idx="0">
+              <a:schemeClr val="accent1"/>
+            </a:fillRef>
+            <a:effectRef idx="1">
+              <a:schemeClr val="accent1"/>
+            </a:effectRef>
+            <a:fontRef idx="minor">
+              <a:schemeClr val="tx1"/>
+            </a:fontRef>
+          </p:style>
+        </p:cxnSp>
+        <p:cxnSp>
+          <p:nvCxnSpPr>
+            <p:cNvPr id="38" name="Straight Connector 37">
+              <a:extLst>
+                <a:ext uri="{FF2B5EF4-FFF2-40B4-BE49-F238E27FC236}">
+                  <a16:creationId xmlns:a16="http://schemas.microsoft.com/office/drawing/2014/main" id="{398DB8F4-CD77-4FCC-8544-ADE8B478C151}"/>
+                </a:ext>
+                <a:ext uri="{C183D7F6-B498-43B3-948B-1728B52AA6E4}">
+                  <adec:decorative xmlns:adec="http://schemas.microsoft.com/office/drawing/2017/decorative" val="1"/>
+                </a:ext>
+              </a:extLst>
+            </p:cNvPr>
+            <p:cNvCxnSpPr/>
+            <p:nvPr>
+              <p:extLst>
+                <p:ext uri="{386F3935-93C4-4BCD-93E2-E3B085C9AB24}">
+                  <p16:designElem xmlns:p16="http://schemas.microsoft.com/office/powerpoint/2015/main" val="1"/>
+                </p:ext>
+              </p:extLst>
+            </p:nvPr>
+          </p:nvCxnSpPr>
+          <p:spPr>
+            <a:xfrm flipH="1">
+              <a:off x="9206969" y="3190344"/>
+              <a:ext cx="2981857" cy="2981856"/>
+            </a:xfrm>
+            <a:prstGeom prst="line">
+              <a:avLst/>
+            </a:prstGeom>
+            <a:ln w="9525">
+              <a:solidFill>
+                <a:schemeClr val="tx1"/>
+              </a:solidFill>
+            </a:ln>
+          </p:spPr>
+          <p:style>
+            <a:lnRef idx="2">
+              <a:schemeClr val="accent1"/>
+            </a:lnRef>
+            <a:fillRef idx="0">
+              <a:schemeClr val="accent1"/>
+            </a:fillRef>
+            <a:effectRef idx="1">
+              <a:schemeClr val="accent1"/>
+            </a:effectRef>
+            <a:fontRef idx="minor">
+              <a:schemeClr val="tx1"/>
+            </a:fontRef>
+          </p:style>
+        </p:cxnSp>
+        <p:cxnSp>
+          <p:nvCxnSpPr>
+            <p:cNvPr id="39" name="Straight Connector 38">
+              <a:extLst>
+                <a:ext uri="{FF2B5EF4-FFF2-40B4-BE49-F238E27FC236}">
+                  <a16:creationId xmlns:a16="http://schemas.microsoft.com/office/drawing/2014/main" id="{22202DFE-039D-48E4-8536-FA30F2489475}"/>
+                </a:ext>
+                <a:ext uri="{C183D7F6-B498-43B3-948B-1728B52AA6E4}">
+                  <adec:decorative xmlns:adec="http://schemas.microsoft.com/office/drawing/2017/decorative" val="1"/>
+                </a:ext>
+              </a:extLst>
+            </p:cNvPr>
+            <p:cNvCxnSpPr/>
+            <p:nvPr>
+              <p:extLst>
+                <p:ext uri="{386F3935-93C4-4BCD-93E2-E3B085C9AB24}">
+                  <p16:designElem xmlns:p16="http://schemas.microsoft.com/office/powerpoint/2015/main" val="1"/>
+                </p:ext>
+              </p:extLst>
+            </p:nvPr>
+          </p:nvCxnSpPr>
+          <p:spPr>
+            <a:xfrm flipH="1">
+              <a:off x="10292292" y="3285067"/>
+              <a:ext cx="1896534" cy="1896533"/>
+            </a:xfrm>
+            <a:prstGeom prst="line">
+              <a:avLst/>
+            </a:prstGeom>
+            <a:ln w="9525">
+              <a:solidFill>
+                <a:schemeClr val="tx1"/>
+              </a:solidFill>
+            </a:ln>
+          </p:spPr>
+          <p:style>
+            <a:lnRef idx="2">
+              <a:schemeClr val="accent1"/>
+            </a:lnRef>
+            <a:fillRef idx="0">
+              <a:schemeClr val="accent1"/>
+            </a:fillRef>
+            <a:effectRef idx="1">
+              <a:schemeClr val="accent1"/>
+            </a:effectRef>
+            <a:fontRef idx="minor">
+              <a:schemeClr val="tx1"/>
+            </a:fontRef>
+          </p:style>
+        </p:cxnSp>
+        <p:cxnSp>
+          <p:nvCxnSpPr>
+            <p:cNvPr id="40" name="Straight Connector 39">
+              <a:extLst>
+                <a:ext uri="{FF2B5EF4-FFF2-40B4-BE49-F238E27FC236}">
+                  <a16:creationId xmlns:a16="http://schemas.microsoft.com/office/drawing/2014/main" id="{81F05E26-510E-4164-83C7-28E4FE9D7EA3}"/>
+                </a:ext>
+                <a:ext uri="{C183D7F6-B498-43B3-948B-1728B52AA6E4}">
+                  <adec:decorative xmlns:adec="http://schemas.microsoft.com/office/drawing/2017/decorative" val="1"/>
+                </a:ext>
+              </a:extLst>
+            </p:cNvPr>
+            <p:cNvCxnSpPr/>
+            <p:nvPr>
+              <p:extLst>
+                <p:ext uri="{386F3935-93C4-4BCD-93E2-E3B085C9AB24}">
+                  <p16:designElem xmlns:p16="http://schemas.microsoft.com/office/powerpoint/2015/main" val="1"/>
+                </p:ext>
+              </p:extLst>
+            </p:nvPr>
+          </p:nvCxnSpPr>
+          <p:spPr>
+            <a:xfrm flipH="1">
+              <a:off x="10443103" y="3131080"/>
+              <a:ext cx="1745722" cy="1745720"/>
+            </a:xfrm>
+            <a:prstGeom prst="line">
+              <a:avLst/>
+            </a:prstGeom>
+            <a:ln w="28575">
+              <a:solidFill>
+                <a:schemeClr val="tx1"/>
+              </a:solidFill>
+            </a:ln>
+          </p:spPr>
+          <p:style>
+            <a:lnRef idx="2">
+              <a:schemeClr val="accent1"/>
+            </a:lnRef>
+            <a:fillRef idx="0">
+              <a:schemeClr val="accent1"/>
+            </a:fillRef>
+            <a:effectRef idx="1">
+              <a:schemeClr val="accent1"/>
+            </a:effectRef>
+            <a:fontRef idx="minor">
+              <a:schemeClr val="tx1"/>
+            </a:fontRef>
+          </p:style>
+        </p:cxnSp>
+        <p:cxnSp>
+          <p:nvCxnSpPr>
+            <p:cNvPr id="41" name="Straight Connector 40">
+              <a:extLst>
+                <a:ext uri="{FF2B5EF4-FFF2-40B4-BE49-F238E27FC236}">
+                  <a16:creationId xmlns:a16="http://schemas.microsoft.com/office/drawing/2014/main" id="{E632161A-50D4-4D96-887A-98FC9209310C}"/>
+                </a:ext>
+                <a:ext uri="{C183D7F6-B498-43B3-948B-1728B52AA6E4}">
+                  <adec:decorative xmlns:adec="http://schemas.microsoft.com/office/drawing/2017/decorative" val="1"/>
+                </a:ext>
+              </a:extLst>
+            </p:cNvPr>
+            <p:cNvCxnSpPr/>
+            <p:nvPr>
+              <p:extLst>
+                <p:ext uri="{386F3935-93C4-4BCD-93E2-E3B085C9AB24}">
+                  <p16:designElem xmlns:p16="http://schemas.microsoft.com/office/powerpoint/2015/main" val="1"/>
+                </p:ext>
+              </p:extLst>
+            </p:nvPr>
+          </p:nvCxnSpPr>
+          <p:spPr>
+            <a:xfrm flipH="1">
+              <a:off x="10918826" y="3683001"/>
+              <a:ext cx="1270001" cy="1269999"/>
+            </a:xfrm>
+            <a:prstGeom prst="line">
+              <a:avLst/>
+            </a:prstGeom>
+            <a:ln w="28575">
+              <a:solidFill>
+                <a:schemeClr val="tx1"/>
+              </a:solidFill>
+            </a:ln>
+          </p:spPr>
+          <p:style>
+            <a:lnRef idx="2">
+              <a:schemeClr val="accent1"/>
+            </a:lnRef>
+            <a:fillRef idx="0">
+              <a:schemeClr val="accent1"/>
+            </a:fillRef>
+            <a:effectRef idx="1">
+              <a:schemeClr val="accent1"/>
+            </a:effectRef>
+            <a:fontRef idx="minor">
+              <a:schemeClr val="tx1"/>
+            </a:fontRef>
+          </p:style>
+        </p:cxnSp>
+      </p:grpSp>
+      <p:sp useBgFill="1">
+        <p:nvSpPr>
+          <p:cNvPr id="43" name="Rectangle 42">
+            <a:extLst>
+              <a:ext uri="{FF2B5EF4-FFF2-40B4-BE49-F238E27FC236}">
+                <a16:creationId xmlns:a16="http://schemas.microsoft.com/office/drawing/2014/main" id="{E09CCB3F-DBCE-4964-9E34-8C5DE80EF4B5}"/>
+              </a:ext>
+              <a:ext uri="{C183D7F6-B498-43B3-948B-1728B52AA6E4}">
+                <adec:decorative xmlns:adec="http://schemas.microsoft.com/office/drawing/2017/decorative" val="1"/>
+              </a:ext>
+            </a:extLst>
+          </p:cNvPr>
+          <p:cNvSpPr>
+            <a:spLocks noGrp="1" noRot="1" noChangeAspect="1" noMove="1" noResize="1" noEditPoints="1" noAdjustHandles="1" noChangeArrowheads="1" noChangeShapeType="1" noTextEdit="1"/>
+          </p:cNvSpPr>
+          <p:nvPr>
+            <p:extLst>
+              <p:ext uri="{386F3935-93C4-4BCD-93E2-E3B085C9AB24}">
+                <p16:designElem xmlns:p16="http://schemas.microsoft.com/office/powerpoint/2015/main" val="1"/>
+              </p:ext>
+            </p:extLst>
+          </p:nvPr>
+        </p:nvSpPr>
+        <p:spPr>
+          <a:xfrm>
+            <a:off x="0" y="0"/>
+            <a:ext cx="12192000" cy="6858000"/>
+          </a:xfrm>
+          <a:prstGeom prst="rect">
+            <a:avLst/>
+          </a:prstGeom>
+          <a:ln>
+            <a:noFill/>
+          </a:ln>
+        </p:spPr>
+        <p:style>
+          <a:lnRef idx="2">
+            <a:schemeClr val="accent1">
+              <a:shade val="50000"/>
+            </a:schemeClr>
+          </a:lnRef>
+          <a:fillRef idx="1">
+            <a:schemeClr val="accent1"/>
+          </a:fillRef>
+          <a:effectRef idx="0">
+            <a:schemeClr val="accent1"/>
+          </a:effectRef>
+          <a:fontRef idx="minor">
+            <a:schemeClr val="lt1"/>
+          </a:fontRef>
+        </p:style>
+        <p:txBody>
+          <a:bodyPr rtlCol="0" anchor="ctr"/>
+          <a:lstStyle/>
+          <a:p>
+            <a:pPr algn="ctr"/>
+            <a:endParaRPr lang="en-US"/>
+          </a:p>
+        </p:txBody>
+      </p:sp>
+      <p:sp>
+        <p:nvSpPr>
+          <p:cNvPr id="2" name="Título 1">
+            <a:extLst>
+              <a:ext uri="{FF2B5EF4-FFF2-40B4-BE49-F238E27FC236}">
+                <a16:creationId xmlns:a16="http://schemas.microsoft.com/office/drawing/2014/main" id="{EC7B06C0-AEF4-ACFE-CE29-2F39E5901E38}"/>
+              </a:ext>
+            </a:extLst>
+          </p:cNvPr>
+          <p:cNvSpPr>
+            <a:spLocks noGrp="1"/>
+          </p:cNvSpPr>
+          <p:nvPr>
+            <p:ph type="title"/>
+          </p:nvPr>
+        </p:nvSpPr>
+        <p:spPr>
+          <a:xfrm>
+            <a:off x="7532710" y="620722"/>
+            <a:ext cx="3881228" cy="1142462"/>
+          </a:xfrm>
+        </p:spPr>
+        <p:txBody>
+          <a:bodyPr vert="horz" lIns="91440" tIns="45720" rIns="91440" bIns="45720" rtlCol="0" anchor="b">
+            <a:normAutofit/>
+          </a:bodyPr>
+          <a:lstStyle/>
+          <a:p>
+            <a:pPr>
+              <a:lnSpc>
+                <a:spcPct val="90000"/>
+              </a:lnSpc>
+            </a:pPr>
+            <a:r>
+              <a:rPr lang="en-US" sz="1500" b="0" i="0" dirty="0" err="1"/>
+              <a:t>Hipótesis</a:t>
+            </a:r>
+            <a:r>
+              <a:rPr lang="en-US" sz="1500" b="0" i="0" dirty="0"/>
+              <a:t> 2: - Que </a:t>
+            </a:r>
+            <a:r>
+              <a:rPr lang="en-US" sz="1500" b="0" i="0" dirty="0" err="1"/>
+              <a:t>los</a:t>
+            </a:r>
+            <a:r>
+              <a:rPr lang="en-US" sz="1500" b="0" i="0" dirty="0"/>
+              <a:t> </a:t>
+            </a:r>
+            <a:r>
+              <a:rPr lang="en-US" sz="1500" b="0" i="0" dirty="0" err="1"/>
+              <a:t>pacientes</a:t>
+            </a:r>
+            <a:r>
+              <a:rPr lang="en-US" sz="1500" b="0" i="0" dirty="0"/>
+              <a:t> usen mayor </a:t>
+            </a:r>
+            <a:r>
+              <a:rPr lang="en-US" sz="1500" b="0" i="0" dirty="0" err="1"/>
+              <a:t>tiempo</a:t>
+            </a:r>
+            <a:r>
+              <a:rPr lang="en-US" sz="1500" b="0" i="0" dirty="0"/>
+              <a:t> </a:t>
+            </a:r>
+            <a:r>
+              <a:rPr lang="en-US" sz="1500" b="0" i="0" dirty="0" err="1"/>
+              <a:t>dispositivos</a:t>
+            </a:r>
+            <a:r>
+              <a:rPr lang="en-US" sz="1500" b="0" i="0" dirty="0"/>
+              <a:t> de </a:t>
+            </a:r>
+            <a:r>
+              <a:rPr lang="en-US" sz="1500" b="0" i="0" dirty="0" err="1"/>
+              <a:t>pantalla</a:t>
+            </a:r>
+            <a:r>
+              <a:rPr lang="en-US" sz="1500" b="0" i="0" dirty="0"/>
+              <a:t> </a:t>
+            </a:r>
+            <a:r>
+              <a:rPr lang="en-US" sz="1500" b="0" i="0" dirty="0" err="1"/>
+              <a:t>contribuye</a:t>
+            </a:r>
+            <a:r>
+              <a:rPr lang="en-US" sz="1500" b="0" i="0" dirty="0"/>
+              <a:t> a </a:t>
+            </a:r>
+            <a:r>
+              <a:rPr lang="en-US" sz="1500" b="0" i="0" dirty="0" err="1"/>
+              <a:t>empeorar</a:t>
+            </a:r>
+            <a:r>
+              <a:rPr lang="en-US" sz="1500" b="0" i="0" dirty="0"/>
+              <a:t> </a:t>
+            </a:r>
+            <a:r>
+              <a:rPr lang="en-US" sz="1500" b="0" i="0" dirty="0" err="1"/>
+              <a:t>el</a:t>
+            </a:r>
+            <a:r>
+              <a:rPr lang="en-US" sz="1500" b="0" i="0" dirty="0"/>
+              <a:t> </a:t>
+            </a:r>
+            <a:r>
+              <a:rPr lang="en-US" sz="1500" b="0" i="0" dirty="0" err="1"/>
+              <a:t>grado</a:t>
+            </a:r>
+            <a:r>
+              <a:rPr lang="en-US" sz="1500" b="0" i="0" dirty="0"/>
+              <a:t> de </a:t>
+            </a:r>
+            <a:r>
+              <a:rPr lang="en-US" sz="1500" b="0" i="0" dirty="0" err="1"/>
+              <a:t>obesidad</a:t>
+            </a:r>
+            <a:r>
+              <a:rPr lang="en-US" sz="1500" b="0" i="0" dirty="0"/>
+              <a:t>.</a:t>
+            </a:r>
+            <a:endParaRPr lang="en-US" sz="1500" dirty="0"/>
+          </a:p>
+        </p:txBody>
+      </p:sp>
+      <p:sp>
+        <p:nvSpPr>
+          <p:cNvPr id="45" name="Snip Diagonal Corner Rectangle 24">
+            <a:extLst>
+              <a:ext uri="{FF2B5EF4-FFF2-40B4-BE49-F238E27FC236}">
+                <a16:creationId xmlns:a16="http://schemas.microsoft.com/office/drawing/2014/main" id="{1DFF944F-74BA-483A-82C0-64E3AAF4AE98}"/>
+              </a:ext>
+              <a:ext uri="{C183D7F6-B498-43B3-948B-1728B52AA6E4}">
+                <adec:decorative xmlns:adec="http://schemas.microsoft.com/office/drawing/2017/decorative" val="1"/>
+              </a:ext>
+            </a:extLst>
+          </p:cNvPr>
+          <p:cNvSpPr>
+            <a:spLocks noGrp="1" noRot="1" noChangeAspect="1" noMove="1" noResize="1" noEditPoints="1" noAdjustHandles="1" noChangeArrowheads="1" noChangeShapeType="1" noTextEdit="1"/>
+          </p:cNvSpPr>
+          <p:nvPr>
+            <p:extLst>
+              <p:ext uri="{386F3935-93C4-4BCD-93E2-E3B085C9AB24}">
+                <p16:designElem xmlns:p16="http://schemas.microsoft.com/office/powerpoint/2015/main" val="1"/>
+              </p:ext>
+            </p:extLst>
+          </p:nvPr>
+        </p:nvSpPr>
+        <p:spPr>
+          <a:xfrm>
+            <a:off x="612990" y="620722"/>
+            <a:ext cx="6575496" cy="5286838"/>
+          </a:xfrm>
+          <a:prstGeom prst="snip2DiagRect">
+            <a:avLst>
+              <a:gd name="adj1" fmla="val 10787"/>
+              <a:gd name="adj2" fmla="val 0"/>
+            </a:avLst>
+          </a:prstGeom>
+          <a:solidFill>
+            <a:schemeClr val="tx1"/>
+          </a:solidFill>
+          <a:ln>
+            <a:noFill/>
+          </a:ln>
+          <a:effectLst>
+            <a:innerShdw blurRad="57150" dist="38100" dir="14460000">
+              <a:prstClr val="black">
+                <a:alpha val="70000"/>
+              </a:prstClr>
+            </a:innerShdw>
+          </a:effectLst>
+        </p:spPr>
+        <p:style>
+          <a:lnRef idx="2">
+            <a:schemeClr val="accent1">
+              <a:shade val="50000"/>
+            </a:schemeClr>
+          </a:lnRef>
+          <a:fillRef idx="1">
+            <a:schemeClr val="accent1"/>
+          </a:fillRef>
+          <a:effectRef idx="0">
+            <a:schemeClr val="accent1"/>
+          </a:effectRef>
+          <a:fontRef idx="minor">
+            <a:schemeClr val="lt1"/>
+          </a:fontRef>
+        </p:style>
+        <p:txBody>
+          <a:bodyPr rtlCol="0" anchor="ctr"/>
+          <a:lstStyle/>
+          <a:p>
+            <a:pPr algn="ctr"/>
+            <a:endParaRPr lang="en-US"/>
+          </a:p>
+        </p:txBody>
+      </p:sp>
+      <p:pic>
+        <p:nvPicPr>
+          <p:cNvPr id="6" name="Marcador de contenido 5" descr="Gráfico, Gráfico de dispersión&#10;&#10;Descripción generada automáticamente">
+            <a:extLst>
+              <a:ext uri="{FF2B5EF4-FFF2-40B4-BE49-F238E27FC236}">
+                <a16:creationId xmlns:a16="http://schemas.microsoft.com/office/drawing/2014/main" id="{988325EB-4459-08BE-F895-CE2AE64FDCE5}"/>
+              </a:ext>
+            </a:extLst>
+          </p:cNvPr>
+          <p:cNvPicPr>
+            <a:picLocks noGrp="1" noChangeAspect="1"/>
+          </p:cNvPicPr>
+          <p:nvPr>
+            <p:ph sz="half" idx="1"/>
+          </p:nvPr>
+        </p:nvPicPr>
+        <p:blipFill rotWithShape="1">
+          <a:blip r:embed="rId2"/>
+          <a:srcRect t="175" r="-2" b="5911"/>
+          <a:stretch/>
+        </p:blipFill>
+        <p:spPr>
+          <a:xfrm>
+            <a:off x="778062" y="786117"/>
+            <a:ext cx="6245352" cy="4956048"/>
+          </a:xfrm>
+          <a:custGeom>
+            <a:avLst/>
+            <a:gdLst/>
+            <a:ahLst/>
+            <a:cxnLst/>
+            <a:rect l="l" t="t" r="r" b="b"/>
+            <a:pathLst>
+              <a:path w="6245352" h="4956048">
+                <a:moveTo>
+                  <a:pt x="534609" y="0"/>
+                </a:moveTo>
+                <a:lnTo>
+                  <a:pt x="6245352" y="0"/>
+                </a:lnTo>
+                <a:lnTo>
+                  <a:pt x="6245352" y="4421439"/>
+                </a:lnTo>
+                <a:lnTo>
+                  <a:pt x="5710743" y="4956048"/>
+                </a:lnTo>
+                <a:lnTo>
+                  <a:pt x="0" y="4956048"/>
+                </a:lnTo>
+                <a:lnTo>
+                  <a:pt x="0" y="534609"/>
+                </a:lnTo>
+                <a:close/>
+              </a:path>
+            </a:pathLst>
+          </a:custGeom>
+        </p:spPr>
+      </p:pic>
+      <p:sp>
+        <p:nvSpPr>
+          <p:cNvPr id="10" name="Marcador de contenido 9">
+            <a:extLst>
+              <a:ext uri="{FF2B5EF4-FFF2-40B4-BE49-F238E27FC236}">
+                <a16:creationId xmlns:a16="http://schemas.microsoft.com/office/drawing/2014/main" id="{BB4EA98D-42DB-A214-C7F6-1AB9122EEF8B}"/>
+              </a:ext>
+            </a:extLst>
+          </p:cNvPr>
+          <p:cNvSpPr>
+            <a:spLocks noGrp="1"/>
+          </p:cNvSpPr>
+          <p:nvPr>
+            <p:ph sz="half" idx="2"/>
+          </p:nvPr>
+        </p:nvSpPr>
+        <p:spPr>
+          <a:xfrm>
+            <a:off x="7532710" y="1822449"/>
+            <a:ext cx="4132817" cy="2847128"/>
+          </a:xfrm>
+        </p:spPr>
+        <p:txBody>
+          <a:bodyPr vert="horz" lIns="91440" tIns="45720" rIns="91440" bIns="45720" rtlCol="0" anchor="t">
+            <a:normAutofit/>
+          </a:bodyPr>
+          <a:lstStyle/>
+          <a:p>
+            <a:pPr>
+              <a:lnSpc>
+                <a:spcPct val="90000"/>
+              </a:lnSpc>
+            </a:pPr>
+            <a:r>
+              <a:rPr lang="en-US" sz="1400" b="0" i="0" dirty="0"/>
+              <a:t>La mayor </a:t>
+            </a:r>
+            <a:r>
+              <a:rPr lang="en-US" sz="1400" b="0" i="0" dirty="0" err="1"/>
+              <a:t>tasa</a:t>
+            </a:r>
+            <a:r>
+              <a:rPr lang="en-US" sz="1400" b="0" i="0" dirty="0"/>
+              <a:t> de </a:t>
+            </a:r>
+            <a:r>
+              <a:rPr lang="en-US" sz="1400" b="0" i="0" dirty="0" err="1"/>
+              <a:t>sobrepesos</a:t>
+            </a:r>
+            <a:r>
+              <a:rPr lang="en-US" sz="1400" b="0" i="0" dirty="0"/>
+              <a:t> se da en </a:t>
+            </a:r>
+            <a:r>
+              <a:rPr lang="en-US" sz="1400" b="0" i="0" dirty="0" err="1"/>
+              <a:t>aquellos</a:t>
+            </a:r>
+            <a:r>
+              <a:rPr lang="en-US" sz="1400" b="0" i="0" dirty="0"/>
+              <a:t> </a:t>
+            </a:r>
+            <a:r>
+              <a:rPr lang="en-US" sz="1400" b="0" i="0" dirty="0" err="1"/>
+              <a:t>pacientes</a:t>
+            </a:r>
+            <a:r>
+              <a:rPr lang="en-US" sz="1400" b="0" i="0" dirty="0"/>
+              <a:t> que </a:t>
+            </a:r>
+            <a:r>
+              <a:rPr lang="en-US" sz="1400" b="0" i="0" dirty="0" err="1"/>
+              <a:t>pasan</a:t>
+            </a:r>
+            <a:r>
+              <a:rPr lang="en-US" sz="1400" b="0" i="0" dirty="0"/>
+              <a:t> de 3 a 5 horas en </a:t>
+            </a:r>
+            <a:r>
+              <a:rPr lang="en-US" sz="1400" b="0" i="0" dirty="0" err="1"/>
+              <a:t>dispositivos</a:t>
+            </a:r>
+            <a:r>
+              <a:rPr lang="en-US" sz="1400" b="0" i="0" dirty="0"/>
+              <a:t> </a:t>
+            </a:r>
+            <a:r>
+              <a:rPr lang="en-US" sz="1400" b="0" i="0" dirty="0" err="1"/>
+              <a:t>electrónicos</a:t>
+            </a:r>
+            <a:r>
+              <a:rPr lang="en-US" sz="1400" b="0" i="0" dirty="0"/>
+              <a:t>.</a:t>
+            </a:r>
+          </a:p>
+          <a:p>
+            <a:pPr>
+              <a:lnSpc>
+                <a:spcPct val="90000"/>
+              </a:lnSpc>
+            </a:pPr>
+            <a:r>
+              <a:rPr lang="en-US" sz="1400" b="0" i="0" dirty="0" err="1"/>
+              <a:t>Aquellos</a:t>
+            </a:r>
+            <a:r>
+              <a:rPr lang="en-US" sz="1400" b="0" i="0" dirty="0"/>
+              <a:t> </a:t>
+            </a:r>
+            <a:r>
+              <a:rPr lang="en-US" sz="1400" b="0" i="0" dirty="0" err="1"/>
+              <a:t>pacientes</a:t>
+            </a:r>
+            <a:r>
+              <a:rPr lang="en-US" sz="1400" b="0" i="0" dirty="0"/>
+              <a:t> de mayor </a:t>
+            </a:r>
+            <a:r>
+              <a:rPr lang="en-US" sz="1400" b="0" i="0" dirty="0" err="1"/>
+              <a:t>uso</a:t>
+            </a:r>
+            <a:r>
+              <a:rPr lang="en-US" sz="1400" b="0" i="0" dirty="0"/>
+              <a:t> de </a:t>
+            </a:r>
+            <a:r>
+              <a:rPr lang="en-US" sz="1400" b="0" i="0" dirty="0" err="1"/>
+              <a:t>dispositivos</a:t>
+            </a:r>
+            <a:r>
+              <a:rPr lang="en-US" sz="1400" b="0" i="0" dirty="0"/>
+              <a:t> se </a:t>
+            </a:r>
+            <a:r>
+              <a:rPr lang="en-US" sz="1400" b="0" i="0" dirty="0" err="1"/>
+              <a:t>encuentran</a:t>
+            </a:r>
+            <a:r>
+              <a:rPr lang="en-US" sz="1400" b="0" i="0" dirty="0"/>
+              <a:t> en </a:t>
+            </a:r>
+            <a:r>
+              <a:rPr lang="en-US" sz="1400" b="0" i="0" dirty="0" err="1"/>
+              <a:t>el</a:t>
+            </a:r>
+            <a:r>
+              <a:rPr lang="en-US" sz="1400" b="0" i="0" dirty="0"/>
+              <a:t> </a:t>
+            </a:r>
+            <a:r>
+              <a:rPr lang="en-US" sz="1400" b="0" i="0" dirty="0" err="1"/>
+              <a:t>rango</a:t>
+            </a:r>
+            <a:r>
+              <a:rPr lang="en-US" sz="1400" b="0" i="0" dirty="0"/>
+              <a:t> </a:t>
+            </a:r>
+            <a:r>
+              <a:rPr lang="en-US" sz="1400" b="0" i="0" dirty="0" err="1"/>
+              <a:t>etario</a:t>
+            </a:r>
+            <a:r>
+              <a:rPr lang="en-US" sz="1400" b="0" i="0" dirty="0"/>
+              <a:t> de 25 a 55 </a:t>
+            </a:r>
+            <a:r>
+              <a:rPr lang="en-US" sz="1400" b="0" i="0" dirty="0" err="1"/>
+              <a:t>años</a:t>
+            </a:r>
+            <a:endParaRPr lang="en-US" sz="1400" b="0" i="0" dirty="0"/>
+          </a:p>
+          <a:p>
+            <a:pPr>
+              <a:lnSpc>
+                <a:spcPct val="90000"/>
+              </a:lnSpc>
+            </a:pPr>
+            <a:r>
+              <a:rPr lang="en-US" sz="1400" dirty="0" err="1"/>
+              <a:t>Interpretamos</a:t>
+            </a:r>
+            <a:r>
+              <a:rPr lang="en-US" sz="1400" dirty="0"/>
+              <a:t> </a:t>
+            </a:r>
+            <a:r>
+              <a:rPr lang="en-US" sz="1400" b="0" i="0" dirty="0"/>
+              <a:t>que se </a:t>
+            </a:r>
+            <a:r>
+              <a:rPr lang="en-US" sz="1400" b="0" i="0" dirty="0" err="1"/>
+              <a:t>debe</a:t>
+            </a:r>
+            <a:r>
+              <a:rPr lang="en-US" sz="1400" b="0" i="0" dirty="0"/>
+              <a:t> a que </a:t>
+            </a:r>
+            <a:r>
+              <a:rPr lang="en-US" sz="1400" b="0" i="0" dirty="0" err="1"/>
+              <a:t>esa</a:t>
+            </a:r>
+            <a:r>
+              <a:rPr lang="en-US" sz="1400" b="0" i="0" dirty="0"/>
+              <a:t> la </a:t>
+            </a:r>
+            <a:r>
+              <a:rPr lang="en-US" sz="1400" b="0" i="0" dirty="0" err="1"/>
+              <a:t>edad</a:t>
+            </a:r>
+            <a:r>
+              <a:rPr lang="en-US" sz="1400" b="0" i="0" dirty="0"/>
+              <a:t> de mayor </a:t>
+            </a:r>
+            <a:r>
+              <a:rPr lang="en-US" sz="1400" b="0" i="0" dirty="0" err="1"/>
+              <a:t>fuerza</a:t>
+            </a:r>
+            <a:r>
+              <a:rPr lang="en-US" sz="1400" b="0" i="0" dirty="0"/>
+              <a:t> </a:t>
+            </a:r>
+            <a:r>
+              <a:rPr lang="en-US" sz="1400" b="0" i="0" dirty="0" err="1"/>
+              <a:t>laboral</a:t>
+            </a:r>
+            <a:r>
+              <a:rPr lang="en-US" sz="1400" b="0" i="0" dirty="0"/>
+              <a:t> en la que </a:t>
+            </a:r>
+            <a:r>
+              <a:rPr lang="en-US" sz="1400" b="0" i="0" dirty="0" err="1"/>
+              <a:t>frecuentemente</a:t>
+            </a:r>
+            <a:r>
+              <a:rPr lang="en-US" sz="1400" b="0" i="0" dirty="0"/>
+              <a:t> se </a:t>
+            </a:r>
+            <a:r>
+              <a:rPr lang="en-US" sz="1400" b="0" i="0" dirty="0" err="1"/>
+              <a:t>destinan</a:t>
+            </a:r>
+            <a:r>
+              <a:rPr lang="en-US" sz="1400" b="0" i="0" dirty="0"/>
+              <a:t> 8 horas al </a:t>
+            </a:r>
+            <a:r>
+              <a:rPr lang="en-US" sz="1400" b="0" i="0" dirty="0" err="1"/>
+              <a:t>trabajo</a:t>
+            </a:r>
+            <a:r>
+              <a:rPr lang="en-US" sz="1400" b="0" i="0" dirty="0"/>
+              <a:t> (</a:t>
+            </a:r>
+            <a:r>
+              <a:rPr lang="en-US" sz="1400" b="0" i="0" dirty="0" err="1"/>
+              <a:t>suponemos</a:t>
+            </a:r>
+            <a:r>
+              <a:rPr lang="en-US" sz="1400" b="0" i="0" dirty="0"/>
+              <a:t> con </a:t>
+            </a:r>
+            <a:r>
+              <a:rPr lang="en-US" sz="1400" b="0" i="0" dirty="0" err="1"/>
+              <a:t>pantalla</a:t>
+            </a:r>
+            <a:r>
+              <a:rPr lang="en-US" sz="1400" b="0" i="0" dirty="0"/>
+              <a:t>) </a:t>
+            </a:r>
+            <a:r>
+              <a:rPr lang="en-US" sz="1400" b="0" i="0" dirty="0" err="1"/>
+              <a:t>pero</a:t>
+            </a:r>
+            <a:r>
+              <a:rPr lang="en-US" sz="1400" b="0" i="0" dirty="0"/>
+              <a:t> se </a:t>
+            </a:r>
+            <a:r>
+              <a:rPr lang="en-US" sz="1400" b="0" i="0" dirty="0" err="1"/>
+              <a:t>compensa</a:t>
+            </a:r>
+            <a:r>
+              <a:rPr lang="en-US" sz="1400" b="0" i="0" dirty="0"/>
+              <a:t> con </a:t>
+            </a:r>
+            <a:r>
+              <a:rPr lang="en-US" sz="1400" b="0" i="0" dirty="0" err="1"/>
+              <a:t>actividades</a:t>
+            </a:r>
+            <a:r>
+              <a:rPr lang="en-US" sz="1400" b="0" i="0" dirty="0"/>
+              <a:t> </a:t>
+            </a:r>
+            <a:r>
+              <a:rPr lang="en-US" sz="1400" b="0" i="0" dirty="0" err="1"/>
+              <a:t>físicas</a:t>
+            </a:r>
+            <a:r>
+              <a:rPr lang="en-US" sz="1400" b="0" i="0" dirty="0"/>
+              <a:t> en </a:t>
+            </a:r>
+            <a:r>
+              <a:rPr lang="en-US" sz="1400" b="0" i="0" dirty="0" err="1"/>
+              <a:t>horarios</a:t>
+            </a:r>
+            <a:r>
+              <a:rPr lang="en-US" sz="1400" b="0" i="0" dirty="0"/>
+              <a:t> de </a:t>
+            </a:r>
+            <a:r>
+              <a:rPr lang="en-US" sz="1400" b="0" i="0" dirty="0" err="1"/>
+              <a:t>ocio</a:t>
+            </a:r>
+            <a:r>
+              <a:rPr lang="en-US" sz="1400" b="0" i="0" dirty="0"/>
+              <a:t>.</a:t>
+            </a:r>
+            <a:endParaRPr lang="en-US" sz="1400" dirty="0"/>
+          </a:p>
+        </p:txBody>
+      </p:sp>
+      <p:grpSp>
+        <p:nvGrpSpPr>
+          <p:cNvPr id="47" name="Group 46">
+            <a:extLst>
+              <a:ext uri="{FF2B5EF4-FFF2-40B4-BE49-F238E27FC236}">
+                <a16:creationId xmlns:a16="http://schemas.microsoft.com/office/drawing/2014/main" id="{A9733A91-F958-4629-801A-3F6F1E09AD64}"/>
+              </a:ext>
+              <a:ext uri="{C183D7F6-B498-43B3-948B-1728B52AA6E4}">
+                <adec:decorative xmlns:adec="http://schemas.microsoft.com/office/drawing/2017/decorative" val="1"/>
+              </a:ext>
+            </a:extLst>
+          </p:cNvPr>
+          <p:cNvGrpSpPr>
+            <a:grpSpLocks noGrp="1" noUngrp="1" noRot="1" noChangeAspect="1" noMove="1" noResize="1"/>
+          </p:cNvGrpSpPr>
+          <p:nvPr>
+            <p:extLst>
+              <p:ext uri="{386F3935-93C4-4BCD-93E2-E3B085C9AB24}">
+                <p16:designElem xmlns:p16="http://schemas.microsoft.com/office/powerpoint/2015/main" val="1"/>
+              </p:ext>
+            </p:extLst>
+          </p:nvPr>
+        </p:nvGrpSpPr>
+        <p:grpSpPr>
+          <a:xfrm>
+            <a:off x="9206969" y="2963333"/>
+            <a:ext cx="2981858" cy="3208867"/>
+            <a:chOff x="9206969" y="2963333"/>
+            <a:chExt cx="2981858" cy="3208867"/>
+          </a:xfrm>
+        </p:grpSpPr>
+        <p:cxnSp>
+          <p:nvCxnSpPr>
+            <p:cNvPr id="48" name="Straight Connector 47">
+              <a:extLst>
+                <a:ext uri="{FF2B5EF4-FFF2-40B4-BE49-F238E27FC236}">
+                  <a16:creationId xmlns:a16="http://schemas.microsoft.com/office/drawing/2014/main" id="{F3812972-C68B-4C59-B3A7-4AF61E935D4A}"/>
+                </a:ext>
+                <a:ext uri="{C183D7F6-B498-43B3-948B-1728B52AA6E4}">
+                  <adec:decorative xmlns:adec="http://schemas.microsoft.com/office/drawing/2017/decorative" val="1"/>
+                </a:ext>
+              </a:extLst>
+            </p:cNvPr>
+            <p:cNvCxnSpPr/>
+            <p:nvPr>
+              <p:extLst>
+                <p:ext uri="{386F3935-93C4-4BCD-93E2-E3B085C9AB24}">
+                  <p16:designElem xmlns:p16="http://schemas.microsoft.com/office/powerpoint/2015/main" val="1"/>
+                </p:ext>
+              </p:extLst>
+            </p:nvPr>
+          </p:nvCxnSpPr>
+          <p:spPr>
+            <a:xfrm flipH="1">
+              <a:off x="11276012" y="2963333"/>
+              <a:ext cx="912814" cy="912812"/>
+            </a:xfrm>
+            <a:prstGeom prst="line">
+              <a:avLst/>
+            </a:prstGeom>
+            <a:ln w="9525">
+              <a:solidFill>
+                <a:schemeClr val="tx1"/>
+              </a:solidFill>
+            </a:ln>
+          </p:spPr>
+          <p:style>
+            <a:lnRef idx="2">
+              <a:schemeClr val="accent1"/>
+            </a:lnRef>
+            <a:fillRef idx="0">
+              <a:schemeClr val="accent1"/>
+            </a:fillRef>
+            <a:effectRef idx="1">
+              <a:schemeClr val="accent1"/>
+            </a:effectRef>
+            <a:fontRef idx="minor">
+              <a:schemeClr val="tx1"/>
+            </a:fontRef>
+          </p:style>
+        </p:cxnSp>
+        <p:cxnSp>
+          <p:nvCxnSpPr>
+            <p:cNvPr id="49" name="Straight Connector 48">
+              <a:extLst>
+                <a:ext uri="{FF2B5EF4-FFF2-40B4-BE49-F238E27FC236}">
+                  <a16:creationId xmlns:a16="http://schemas.microsoft.com/office/drawing/2014/main" id="{CB3F3B7C-7909-4486-AA08-5C6B625C3A0A}"/>
+                </a:ext>
+                <a:ext uri="{C183D7F6-B498-43B3-948B-1728B52AA6E4}">
+                  <adec:decorative xmlns:adec="http://schemas.microsoft.com/office/drawing/2017/decorative" val="1"/>
+                </a:ext>
+              </a:extLst>
+            </p:cNvPr>
+            <p:cNvCxnSpPr/>
+            <p:nvPr>
+              <p:extLst>
+                <p:ext uri="{386F3935-93C4-4BCD-93E2-E3B085C9AB24}">
+                  <p16:designElem xmlns:p16="http://schemas.microsoft.com/office/powerpoint/2015/main" val="1"/>
+                </p:ext>
+              </p:extLst>
+            </p:nvPr>
+          </p:nvCxnSpPr>
+          <p:spPr>
+            <a:xfrm flipH="1">
+              <a:off x="9206969" y="3190344"/>
+              <a:ext cx="2981857" cy="2981856"/>
+            </a:xfrm>
+            <a:prstGeom prst="line">
+              <a:avLst/>
+            </a:prstGeom>
+            <a:ln w="9525">
+              <a:solidFill>
+                <a:schemeClr val="tx1"/>
+              </a:solidFill>
+            </a:ln>
+          </p:spPr>
+          <p:style>
+            <a:lnRef idx="2">
+              <a:schemeClr val="accent1"/>
+            </a:lnRef>
+            <a:fillRef idx="0">
+              <a:schemeClr val="accent1"/>
+            </a:fillRef>
+            <a:effectRef idx="1">
+              <a:schemeClr val="accent1"/>
+            </a:effectRef>
+            <a:fontRef idx="minor">
+              <a:schemeClr val="tx1"/>
+            </a:fontRef>
+          </p:style>
+        </p:cxnSp>
+        <p:cxnSp>
+          <p:nvCxnSpPr>
+            <p:cNvPr id="50" name="Straight Connector 49">
+              <a:extLst>
+                <a:ext uri="{FF2B5EF4-FFF2-40B4-BE49-F238E27FC236}">
+                  <a16:creationId xmlns:a16="http://schemas.microsoft.com/office/drawing/2014/main" id="{00BD7DA8-741F-4296-9363-05EF91541119}"/>
+                </a:ext>
+                <a:ext uri="{C183D7F6-B498-43B3-948B-1728B52AA6E4}">
+                  <adec:decorative xmlns:adec="http://schemas.microsoft.com/office/drawing/2017/decorative" val="1"/>
+                </a:ext>
+              </a:extLst>
+            </p:cNvPr>
+            <p:cNvCxnSpPr/>
+            <p:nvPr>
+              <p:extLst>
+                <p:ext uri="{386F3935-93C4-4BCD-93E2-E3B085C9AB24}">
+                  <p16:designElem xmlns:p16="http://schemas.microsoft.com/office/powerpoint/2015/main" val="1"/>
+                </p:ext>
+              </p:extLst>
+            </p:nvPr>
+          </p:nvCxnSpPr>
+          <p:spPr>
+            <a:xfrm flipH="1">
+              <a:off x="10292292" y="3285067"/>
+              <a:ext cx="1896534" cy="1896533"/>
+            </a:xfrm>
+            <a:prstGeom prst="line">
+              <a:avLst/>
+            </a:prstGeom>
+            <a:ln w="9525">
+              <a:solidFill>
+                <a:schemeClr val="tx1"/>
+              </a:solidFill>
+            </a:ln>
+          </p:spPr>
+          <p:style>
+            <a:lnRef idx="2">
+              <a:schemeClr val="accent1"/>
+            </a:lnRef>
+            <a:fillRef idx="0">
+              <a:schemeClr val="accent1"/>
+            </a:fillRef>
+            <a:effectRef idx="1">
+              <a:schemeClr val="accent1"/>
+            </a:effectRef>
+            <a:fontRef idx="minor">
+              <a:schemeClr val="tx1"/>
+            </a:fontRef>
+          </p:style>
+        </p:cxnSp>
+        <p:cxnSp>
+          <p:nvCxnSpPr>
+            <p:cNvPr id="51" name="Straight Connector 50">
+              <a:extLst>
+                <a:ext uri="{FF2B5EF4-FFF2-40B4-BE49-F238E27FC236}">
+                  <a16:creationId xmlns:a16="http://schemas.microsoft.com/office/drawing/2014/main" id="{62068EFC-20FC-456F-839F-4BCFFCAA8197}"/>
+                </a:ext>
+                <a:ext uri="{C183D7F6-B498-43B3-948B-1728B52AA6E4}">
+                  <adec:decorative xmlns:adec="http://schemas.microsoft.com/office/drawing/2017/decorative" val="1"/>
+                </a:ext>
+              </a:extLst>
+            </p:cNvPr>
+            <p:cNvCxnSpPr/>
+            <p:nvPr>
+              <p:extLst>
+                <p:ext uri="{386F3935-93C4-4BCD-93E2-E3B085C9AB24}">
+                  <p16:designElem xmlns:p16="http://schemas.microsoft.com/office/powerpoint/2015/main" val="1"/>
+                </p:ext>
+              </p:extLst>
+            </p:nvPr>
+          </p:nvCxnSpPr>
+          <p:spPr>
+            <a:xfrm flipH="1">
+              <a:off x="10443103" y="3131080"/>
+              <a:ext cx="1745722" cy="1745720"/>
+            </a:xfrm>
+            <a:prstGeom prst="line">
+              <a:avLst/>
+            </a:prstGeom>
+            <a:ln w="28575">
+              <a:solidFill>
+                <a:schemeClr val="tx1"/>
+              </a:solidFill>
+            </a:ln>
+          </p:spPr>
+          <p:style>
+            <a:lnRef idx="2">
+              <a:schemeClr val="accent1"/>
+            </a:lnRef>
+            <a:fillRef idx="0">
+              <a:schemeClr val="accent1"/>
+            </a:fillRef>
+            <a:effectRef idx="1">
+              <a:schemeClr val="accent1"/>
+            </a:effectRef>
+            <a:fontRef idx="minor">
+              <a:schemeClr val="tx1"/>
+            </a:fontRef>
+          </p:style>
+        </p:cxnSp>
+        <p:cxnSp>
+          <p:nvCxnSpPr>
+            <p:cNvPr id="52" name="Straight Connector 51">
+              <a:extLst>
+                <a:ext uri="{FF2B5EF4-FFF2-40B4-BE49-F238E27FC236}">
+                  <a16:creationId xmlns:a16="http://schemas.microsoft.com/office/drawing/2014/main" id="{3251C60F-B911-433E-BF75-3BBEFD0538CB}"/>
+                </a:ext>
+                <a:ext uri="{C183D7F6-B498-43B3-948B-1728B52AA6E4}">
+                  <adec:decorative xmlns:adec="http://schemas.microsoft.com/office/drawing/2017/decorative" val="1"/>
+                </a:ext>
+              </a:extLst>
+            </p:cNvPr>
+            <p:cNvCxnSpPr/>
+            <p:nvPr>
+              <p:extLst>
+                <p:ext uri="{386F3935-93C4-4BCD-93E2-E3B085C9AB24}">
+                  <p16:designElem xmlns:p16="http://schemas.microsoft.com/office/powerpoint/2015/main" val="1"/>
+                </p:ext>
+              </p:extLst>
+            </p:nvPr>
+          </p:nvCxnSpPr>
+          <p:spPr>
+            <a:xfrm flipH="1">
+              <a:off x="10918826" y="3683001"/>
+              <a:ext cx="1270001" cy="1269999"/>
+            </a:xfrm>
+            <a:prstGeom prst="line">
+              <a:avLst/>
+            </a:prstGeom>
+            <a:ln w="28575">
+              <a:solidFill>
+                <a:schemeClr val="tx1"/>
+              </a:solidFill>
+            </a:ln>
+          </p:spPr>
+          <p:style>
+            <a:lnRef idx="2">
+              <a:schemeClr val="accent1"/>
+            </a:lnRef>
+            <a:fillRef idx="0">
+              <a:schemeClr val="accent1"/>
+            </a:fillRef>
+            <a:effectRef idx="1">
+              <a:schemeClr val="accent1"/>
+            </a:effectRef>
+            <a:fontRef idx="minor">
+              <a:schemeClr val="tx1"/>
+            </a:fontRef>
+          </p:style>
+        </p:cxnSp>
+      </p:grpSp>
+      <p:pic>
+        <p:nvPicPr>
+          <p:cNvPr id="11" name="Imagen 10">
+            <a:extLst>
+              <a:ext uri="{FF2B5EF4-FFF2-40B4-BE49-F238E27FC236}">
+                <a16:creationId xmlns:a16="http://schemas.microsoft.com/office/drawing/2014/main" id="{9B4C7409-FD69-7B6A-AB3F-0A3C0CD974C6}"/>
+              </a:ext>
+            </a:extLst>
+          </p:cNvPr>
+          <p:cNvPicPr>
+            <a:picLocks noChangeAspect="1"/>
+          </p:cNvPicPr>
+          <p:nvPr/>
+        </p:nvPicPr>
+        <p:blipFill>
+          <a:blip r:embed="rId3"/>
+          <a:stretch>
+            <a:fillRect/>
+          </a:stretch>
+        </p:blipFill>
+        <p:spPr>
+          <a:xfrm>
+            <a:off x="7686236" y="4662801"/>
+            <a:ext cx="3757920" cy="1745720"/>
+          </a:xfrm>
+          <a:prstGeom prst="rect">
+            <a:avLst/>
+          </a:prstGeom>
+        </p:spPr>
+      </p:pic>
+    </p:spTree>
+    <p:extLst>
+      <p:ext uri="{BB962C8B-B14F-4D97-AF65-F5344CB8AC3E}">
+        <p14:creationId xmlns:p14="http://schemas.microsoft.com/office/powerpoint/2010/main" val="1222152764"/>
+      </p:ext>
+    </p:extLst>
+  </p:cSld>
+  <p:clrMapOvr>
+    <a:masterClrMapping/>
+  </p:clrMapOvr>
+</p:sld>
+</file>
+
+<file path=ppt/slides/slide11.xml><?xml version="1.0" encoding="utf-8"?>
+<p:sld xmlns:a="http://schemas.openxmlformats.org/drawingml/2006/main" xmlns:r="http://schemas.openxmlformats.org/officeDocument/2006/relationships" xmlns:p="http://schemas.openxmlformats.org/presentationml/2006/main">
+  <p:cSld>
+    <p:spTree>
+      <p:nvGrpSpPr>
+        <p:cNvPr id="1" name=""/>
+        <p:cNvGrpSpPr/>
+        <p:nvPr/>
+      </p:nvGrpSpPr>
+      <p:grpSpPr>
+        <a:xfrm>
+          <a:off x="0" y="0"/>
+          <a:ext cx="0" cy="0"/>
+          <a:chOff x="0" y="0"/>
+          <a:chExt cx="0" cy="0"/>
+        </a:xfrm>
+      </p:grpSpPr>
+      <p:sp>
+        <p:nvSpPr>
+          <p:cNvPr id="8" name="Rectángulo 7">
+            <a:extLst>
+              <a:ext uri="{FF2B5EF4-FFF2-40B4-BE49-F238E27FC236}">
+                <a16:creationId xmlns:a16="http://schemas.microsoft.com/office/drawing/2014/main" id="{D3347ED6-4F1E-225D-7F51-EE49334D42B2}"/>
+              </a:ext>
+            </a:extLst>
+          </p:cNvPr>
+          <p:cNvSpPr/>
+          <p:nvPr/>
+        </p:nvSpPr>
+        <p:spPr>
+          <a:xfrm>
+            <a:off x="7210077" y="2337760"/>
+            <a:ext cx="3532536" cy="1302588"/>
+          </a:xfrm>
+          <a:prstGeom prst="rect">
+            <a:avLst/>
+          </a:prstGeom>
+        </p:spPr>
+        <p:style>
+          <a:lnRef idx="2">
+            <a:schemeClr val="accent1">
+              <a:shade val="15000"/>
+            </a:schemeClr>
+          </a:lnRef>
+          <a:fillRef idx="1">
+            <a:schemeClr val="accent1"/>
+          </a:fillRef>
+          <a:effectRef idx="0">
+            <a:schemeClr val="accent1"/>
+          </a:effectRef>
+          <a:fontRef idx="minor">
+            <a:schemeClr val="lt1"/>
+          </a:fontRef>
+        </p:style>
+        <p:txBody>
+          <a:bodyPr rtlCol="0" anchor="ctr"/>
+          <a:lstStyle/>
+          <a:p>
+            <a:pPr algn="ctr"/>
+            <a:endParaRPr lang="es-AR"/>
+          </a:p>
+        </p:txBody>
+      </p:sp>
+      <p:sp>
+        <p:nvSpPr>
+          <p:cNvPr id="2" name="Título 1">
+            <a:extLst>
+              <a:ext uri="{FF2B5EF4-FFF2-40B4-BE49-F238E27FC236}">
+                <a16:creationId xmlns:a16="http://schemas.microsoft.com/office/drawing/2014/main" id="{191047B7-BC76-1AB4-E186-B6289E6F55A2}"/>
+              </a:ext>
+            </a:extLst>
+          </p:cNvPr>
+          <p:cNvSpPr>
+            <a:spLocks noGrp="1"/>
+          </p:cNvSpPr>
+          <p:nvPr>
+            <p:ph type="title"/>
+          </p:nvPr>
+        </p:nvSpPr>
+        <p:spPr/>
+        <p:txBody>
+          <a:bodyPr/>
+          <a:lstStyle/>
+          <a:p>
+            <a:r>
+              <a:rPr lang="es-AR" dirty="0"/>
+              <a:t>Recomendaciones y conclusiones</a:t>
+            </a:r>
+          </a:p>
+        </p:txBody>
+      </p:sp>
+      <p:graphicFrame>
+        <p:nvGraphicFramePr>
+          <p:cNvPr id="6" name="Marcador de contenido 2">
+            <a:extLst>
+              <a:ext uri="{FF2B5EF4-FFF2-40B4-BE49-F238E27FC236}">
+                <a16:creationId xmlns:a16="http://schemas.microsoft.com/office/drawing/2014/main" id="{228F627C-CF0B-2562-EA43-453EF3D2847F}"/>
+              </a:ext>
+            </a:extLst>
+          </p:cNvPr>
+          <p:cNvGraphicFramePr>
+            <a:graphicFrameLocks noGrp="1"/>
+          </p:cNvGraphicFramePr>
+          <p:nvPr>
+            <p:ph idx="1"/>
+            <p:extLst>
+              <p:ext uri="{D42A27DB-BD31-4B8C-83A1-F6EECF244321}">
+                <p14:modId xmlns:p14="http://schemas.microsoft.com/office/powerpoint/2010/main" val="2490703286"/>
+              </p:ext>
+            </p:extLst>
+          </p:nvPr>
+        </p:nvGraphicFramePr>
+        <p:xfrm>
+          <a:off x="684212" y="685800"/>
+          <a:ext cx="5943601" cy="5308600"/>
+        </p:xfrm>
+        <a:graphic>
+          <a:graphicData uri="http://schemas.openxmlformats.org/drawingml/2006/diagram">
+            <dgm:relIds xmlns:dgm="http://schemas.openxmlformats.org/drawingml/2006/diagram" xmlns:r="http://schemas.openxmlformats.org/officeDocument/2006/relationships" r:dm="rId2" r:lo="rId3" r:qs="rId4" r:cs="rId5"/>
+          </a:graphicData>
+        </a:graphic>
+      </p:graphicFrame>
+      <p:sp>
+        <p:nvSpPr>
+          <p:cNvPr id="3" name="CuadroTexto 2">
+            <a:extLst>
+              <a:ext uri="{FF2B5EF4-FFF2-40B4-BE49-F238E27FC236}">
+                <a16:creationId xmlns:a16="http://schemas.microsoft.com/office/drawing/2014/main" id="{26FACC5C-D864-5595-1662-B7DF83E1F08A}"/>
+              </a:ext>
+            </a:extLst>
+          </p:cNvPr>
+          <p:cNvSpPr txBox="1"/>
+          <p:nvPr/>
+        </p:nvSpPr>
+        <p:spPr>
+          <a:xfrm>
+            <a:off x="7415503" y="2564373"/>
+            <a:ext cx="3327109" cy="646331"/>
+          </a:xfrm>
+          <a:prstGeom prst="rect">
+            <a:avLst/>
+          </a:prstGeom>
+          <a:noFill/>
+        </p:spPr>
+        <p:txBody>
+          <a:bodyPr wrap="square" rtlCol="0">
+            <a:spAutoFit/>
+          </a:bodyPr>
+          <a:lstStyle/>
+          <a:p>
+            <a:r>
+              <a:rPr lang="es-AR" sz="1600" dirty="0"/>
+              <a:t>APP</a:t>
+            </a:r>
+            <a:r>
+              <a:rPr lang="es-AR" dirty="0">
+                <a:latin typeface="Eras Bold ITC" panose="020B0907030504020204" pitchFamily="34" charset="0"/>
+              </a:rPr>
+              <a:t> </a:t>
+            </a:r>
+            <a:r>
+              <a:rPr lang="es-AR" sz="2000" i="1" dirty="0">
+                <a:solidFill>
+                  <a:srgbClr val="00B0F0"/>
+                </a:solidFill>
+                <a:latin typeface="Eras Bold ITC" panose="020B0907030504020204" pitchFamily="34" charset="0"/>
+              </a:rPr>
+              <a:t>REALLY</a:t>
+            </a:r>
+            <a:endParaRPr lang="es-AR" i="1" dirty="0">
+              <a:solidFill>
+                <a:srgbClr val="00B0F0"/>
+              </a:solidFill>
+              <a:latin typeface="Eras Bold ITC" panose="020B0907030504020204" pitchFamily="34" charset="0"/>
+            </a:endParaRPr>
+          </a:p>
+          <a:p>
+            <a:r>
+              <a:rPr lang="es-AR" sz="1600" dirty="0"/>
+              <a:t>Aplicación para la Salud</a:t>
+            </a:r>
+          </a:p>
+        </p:txBody>
+      </p:sp>
+    </p:spTree>
+    <p:extLst>
+      <p:ext uri="{BB962C8B-B14F-4D97-AF65-F5344CB8AC3E}">
+        <p14:creationId xmlns:p14="http://schemas.microsoft.com/office/powerpoint/2010/main" val="1947906938"/>
+      </p:ext>
+    </p:extLst>
+  </p:cSld>
+  <p:clrMapOvr>
+    <a:masterClrMapping/>
+  </p:clrMapOvr>
+</p:sld>
+</file>
+
+<file path=ppt/slides/slide12.xml><?xml version="1.0" encoding="utf-8"?>
+<p:sld xmlns:a="http://schemas.openxmlformats.org/drawingml/2006/main" xmlns:r="http://schemas.openxmlformats.org/officeDocument/2006/relationships" xmlns:p="http://schemas.openxmlformats.org/presentationml/2006/main">
+  <p:cSld>
+    <p:spTree>
+      <p:nvGrpSpPr>
+        <p:cNvPr id="1" name=""/>
+        <p:cNvGrpSpPr/>
+        <p:nvPr/>
+      </p:nvGrpSpPr>
+      <p:grpSpPr>
+        <a:xfrm>
+          <a:off x="0" y="0"/>
+          <a:ext cx="0" cy="0"/>
+          <a:chOff x="0" y="0"/>
+          <a:chExt cx="0" cy="0"/>
+        </a:xfrm>
+      </p:grpSpPr>
+      <p:sp>
+        <p:nvSpPr>
+          <p:cNvPr id="2" name="Título 1">
+            <a:extLst>
+              <a:ext uri="{FF2B5EF4-FFF2-40B4-BE49-F238E27FC236}">
+                <a16:creationId xmlns:a16="http://schemas.microsoft.com/office/drawing/2014/main" id="{723538DE-DFA1-F4F9-4BAC-0BCAB430E38D}"/>
+              </a:ext>
+            </a:extLst>
+          </p:cNvPr>
+          <p:cNvSpPr>
+            <a:spLocks noGrp="1"/>
+          </p:cNvSpPr>
+          <p:nvPr>
+            <p:ph type="title"/>
+          </p:nvPr>
+        </p:nvSpPr>
+        <p:spPr/>
+        <p:txBody>
+          <a:bodyPr/>
+          <a:lstStyle/>
+          <a:p>
+            <a:r>
+              <a:rPr lang="es-AR" dirty="0"/>
+              <a:t>Muchas gracias</a:t>
+            </a:r>
+          </a:p>
+        </p:txBody>
+      </p:sp>
+      <p:sp>
+        <p:nvSpPr>
+          <p:cNvPr id="3" name="Rectángulo 2">
+            <a:extLst>
+              <a:ext uri="{FF2B5EF4-FFF2-40B4-BE49-F238E27FC236}">
+                <a16:creationId xmlns:a16="http://schemas.microsoft.com/office/drawing/2014/main" id="{F4D8E1A1-2F75-BE53-86D0-193D8BA5452A}"/>
+              </a:ext>
+            </a:extLst>
+          </p:cNvPr>
+          <p:cNvSpPr/>
+          <p:nvPr/>
+        </p:nvSpPr>
+        <p:spPr>
+          <a:xfrm>
+            <a:off x="800650" y="1578636"/>
+            <a:ext cx="3532536" cy="1302588"/>
+          </a:xfrm>
+          <a:prstGeom prst="rect">
+            <a:avLst/>
+          </a:prstGeom>
+        </p:spPr>
+        <p:style>
+          <a:lnRef idx="2">
+            <a:schemeClr val="accent1">
+              <a:shade val="15000"/>
+            </a:schemeClr>
+          </a:lnRef>
+          <a:fillRef idx="1">
+            <a:schemeClr val="accent1"/>
+          </a:fillRef>
+          <a:effectRef idx="0">
+            <a:schemeClr val="accent1"/>
+          </a:effectRef>
+          <a:fontRef idx="minor">
+            <a:schemeClr val="lt1"/>
+          </a:fontRef>
+        </p:style>
+        <p:txBody>
+          <a:bodyPr rtlCol="0" anchor="ctr"/>
+          <a:lstStyle/>
+          <a:p>
+            <a:pPr algn="ctr"/>
+            <a:endParaRPr lang="es-AR"/>
+          </a:p>
+        </p:txBody>
+      </p:sp>
+      <p:sp>
+        <p:nvSpPr>
+          <p:cNvPr id="4" name="CuadroTexto 3">
+            <a:extLst>
+              <a:ext uri="{FF2B5EF4-FFF2-40B4-BE49-F238E27FC236}">
+                <a16:creationId xmlns:a16="http://schemas.microsoft.com/office/drawing/2014/main" id="{749ACBDC-AA0E-1A92-66F2-A3A4D16C3A6A}"/>
+              </a:ext>
+            </a:extLst>
+          </p:cNvPr>
+          <p:cNvSpPr txBox="1"/>
+          <p:nvPr/>
+        </p:nvSpPr>
+        <p:spPr>
+          <a:xfrm>
+            <a:off x="1006076" y="1805249"/>
+            <a:ext cx="3327109" cy="646331"/>
+          </a:xfrm>
+          <a:prstGeom prst="rect">
+            <a:avLst/>
+          </a:prstGeom>
+          <a:noFill/>
+        </p:spPr>
+        <p:txBody>
+          <a:bodyPr wrap="square" rtlCol="0">
+            <a:spAutoFit/>
+          </a:bodyPr>
+          <a:lstStyle/>
+          <a:p>
+            <a:r>
+              <a:rPr lang="es-AR" sz="1600" dirty="0"/>
+              <a:t>APP</a:t>
+            </a:r>
+            <a:r>
+              <a:rPr lang="es-AR" dirty="0">
+                <a:latin typeface="Eras Bold ITC" panose="020B0907030504020204" pitchFamily="34" charset="0"/>
+              </a:rPr>
+              <a:t> </a:t>
+            </a:r>
+            <a:r>
+              <a:rPr lang="es-AR" sz="2000" i="1" dirty="0">
+                <a:solidFill>
+                  <a:srgbClr val="00B0F0"/>
+                </a:solidFill>
+                <a:latin typeface="Eras Bold ITC" panose="020B0907030504020204" pitchFamily="34" charset="0"/>
+              </a:rPr>
+              <a:t>REALLY</a:t>
+            </a:r>
+            <a:endParaRPr lang="es-AR" i="1" dirty="0">
+              <a:solidFill>
+                <a:srgbClr val="00B0F0"/>
+              </a:solidFill>
+              <a:latin typeface="Eras Bold ITC" panose="020B0907030504020204" pitchFamily="34" charset="0"/>
+            </a:endParaRPr>
+          </a:p>
+          <a:p>
+            <a:r>
+              <a:rPr lang="es-AR" sz="1600" dirty="0"/>
+              <a:t>Aplicación para la Salud</a:t>
+            </a:r>
+          </a:p>
+        </p:txBody>
+      </p:sp>
+    </p:spTree>
+    <p:extLst>
+      <p:ext uri="{BB962C8B-B14F-4D97-AF65-F5344CB8AC3E}">
+        <p14:creationId xmlns:p14="http://schemas.microsoft.com/office/powerpoint/2010/main" val="840543818"/>
       </p:ext>
     </p:extLst>
   </p:cSld>
@@ -12718,7 +14399,7 @@
               <a:buChar char="•"/>
             </a:pPr>
             <a:r>
-              <a:rPr lang="es-ES" dirty="0"/>
+              <a:rPr lang="es-ES" sz="2400" dirty="0"/>
               <a:t>Introducción</a:t>
             </a:r>
           </a:p>
@@ -12728,7 +14409,7 @@
               <a:buChar char="•"/>
             </a:pPr>
             <a:r>
-              <a:rPr lang="es-ES" dirty="0"/>
+              <a:rPr lang="es-ES" sz="2400" dirty="0"/>
               <a:t>Análisis de las Aplicaciones de Salud en la Reducción de Peso y Mejora del IMC</a:t>
             </a:r>
           </a:p>
@@ -12738,7 +14419,7 @@
               <a:buChar char="•"/>
             </a:pPr>
             <a:r>
-              <a:rPr lang="es-ES" dirty="0"/>
+              <a:rPr lang="es-ES" sz="2400" dirty="0"/>
               <a:t>Importancia de las Aplicaciones de Salud en el Tratamiento de la Obesidad y el Sobrepeso</a:t>
             </a:r>
           </a:p>
@@ -12748,7 +14429,7 @@
               <a:buChar char="•"/>
             </a:pPr>
             <a:r>
-              <a:rPr lang="es-ES" dirty="0"/>
+              <a:rPr lang="es-ES" sz="2400" dirty="0"/>
               <a:t>Preguntas e Hipótesis</a:t>
             </a:r>
           </a:p>
@@ -12758,7 +14439,7 @@
               <a:buChar char="•"/>
             </a:pPr>
             <a:r>
-              <a:rPr lang="es-ES" dirty="0"/>
+              <a:rPr lang="es-ES" sz="2400" dirty="0"/>
               <a:t>Análisis Exploratorio de los Datos</a:t>
             </a:r>
           </a:p>
@@ -12768,7 +14449,7 @@
               <a:buChar char="•"/>
             </a:pPr>
             <a:r>
-              <a:rPr lang="es-ES" dirty="0"/>
+              <a:rPr lang="es-ES" sz="2400" dirty="0"/>
               <a:t>Recomendaciones y Conclusiones</a:t>
             </a:r>
           </a:p>
@@ -13282,7 +14963,7 @@
         <p:spPr>
           <a:xfrm>
             <a:off x="6095998" y="685800"/>
-            <a:ext cx="4819653" cy="3615267"/>
+            <a:ext cx="5459898" cy="3615267"/>
           </a:xfrm>
         </p:spPr>
         <p:txBody>
@@ -13296,12 +14977,36 @@
               <a:buChar char=""/>
             </a:pPr>
             <a:r>
-              <a:rPr lang="en-US" sz="1800">
+              <a:rPr lang="en-US" sz="2400" dirty="0" err="1">
                 <a:solidFill>
                   <a:srgbClr val="0F496F"/>
                 </a:solidFill>
               </a:rPr>
-              <a:t>Beneficios del Entorno Digital</a:t>
+              <a:t>Beneficios</a:t>
+            </a:r>
+            <a:r>
+              <a:rPr lang="en-US" sz="2400" dirty="0">
+                <a:solidFill>
+                  <a:srgbClr val="0F496F"/>
+                </a:solidFill>
+              </a:rPr>
+              <a:t> del </a:t>
+            </a:r>
+            <a:r>
+              <a:rPr lang="en-US" sz="2400" dirty="0" err="1">
+                <a:solidFill>
+                  <a:srgbClr val="0F496F"/>
+                </a:solidFill>
+              </a:rPr>
+              <a:t>Entorno</a:t>
+            </a:r>
+            <a:r>
+              <a:rPr lang="en-US" sz="2400" dirty="0">
+                <a:solidFill>
+                  <a:srgbClr val="0F496F"/>
+                </a:solidFill>
+              </a:rPr>
+              <a:t> Digital</a:t>
             </a:r>
           </a:p>
           <a:p>
@@ -13310,13 +15015,18 @@
               <a:buChar char=""/>
             </a:pPr>
             <a:r>
-              <a:rPr lang="en-US" sz="1800">
+              <a:rPr lang="en-US" sz="2400" dirty="0" err="1">
                 <a:solidFill>
                   <a:srgbClr val="0F496F"/>
                 </a:solidFill>
               </a:rPr>
               <a:t>Abstracto</a:t>
             </a:r>
+            <a:endParaRPr lang="en-US" sz="2400" dirty="0">
+              <a:solidFill>
+                <a:srgbClr val="0F496F"/>
+              </a:solidFill>
+            </a:endParaRPr>
           </a:p>
           <a:p>
             <a:pPr>
@@ -13324,13 +15034,34 @@
               <a:buChar char=""/>
             </a:pPr>
             <a:r>
-              <a:rPr lang="en-US" sz="1800">
+              <a:rPr lang="en-US" sz="2400" dirty="0" err="1">
                 <a:solidFill>
                   <a:srgbClr val="0F496F"/>
                 </a:solidFill>
               </a:rPr>
-              <a:t>Definición de Objetivo</a:t>
-            </a:r>
+              <a:t>Definición</a:t>
+            </a:r>
+            <a:r>
+              <a:rPr lang="en-US" sz="2400" dirty="0">
+                <a:solidFill>
+                  <a:srgbClr val="0F496F"/>
+                </a:solidFill>
+              </a:rPr>
+              <a:t> de </a:t>
+            </a:r>
+            <a:r>
+              <a:rPr lang="en-US" sz="2400" dirty="0" err="1">
+                <a:solidFill>
+                  <a:srgbClr val="0F496F"/>
+                </a:solidFill>
+              </a:rPr>
+              <a:t>Objetivo</a:t>
+            </a:r>
+            <a:endParaRPr lang="en-US" sz="2400" dirty="0">
+              <a:solidFill>
+                <a:srgbClr val="0F496F"/>
+              </a:solidFill>
+            </a:endParaRPr>
           </a:p>
           <a:p>
             <a:pPr>
@@ -13338,20 +15069,57 @@
               <a:buChar char=""/>
             </a:pPr>
             <a:r>
-              <a:rPr lang="en-US" sz="1800">
+              <a:rPr lang="en-US" sz="2400" dirty="0" err="1">
                 <a:solidFill>
                   <a:srgbClr val="0F496F"/>
                 </a:solidFill>
               </a:rPr>
-              <a:t>Contexto y Desafío Comercial</a:t>
-            </a:r>
+              <a:t>Contexto</a:t>
+            </a:r>
+            <a:r>
+              <a:rPr lang="en-US" sz="2400" dirty="0">
+                <a:solidFill>
+                  <a:srgbClr val="0F496F"/>
+                </a:solidFill>
+              </a:rPr>
+              <a:t> y </a:t>
+            </a:r>
+            <a:r>
+              <a:rPr lang="en-US" sz="2400" dirty="0" err="1">
+                <a:solidFill>
+                  <a:srgbClr val="0F496F"/>
+                </a:solidFill>
+              </a:rPr>
+              <a:t>Desafío</a:t>
+            </a:r>
+            <a:r>
+              <a:rPr lang="en-US" sz="2400" dirty="0">
+                <a:solidFill>
+                  <a:srgbClr val="0F496F"/>
+                </a:solidFill>
+              </a:rPr>
+              <a:t> </a:t>
+            </a:r>
+            <a:r>
+              <a:rPr lang="en-US" sz="2400" dirty="0" err="1">
+                <a:solidFill>
+                  <a:srgbClr val="0F496F"/>
+                </a:solidFill>
+              </a:rPr>
+              <a:t>Comercial</a:t>
+            </a:r>
+            <a:endParaRPr lang="en-US" sz="2400" dirty="0">
+              <a:solidFill>
+                <a:srgbClr val="0F496F"/>
+              </a:solidFill>
+            </a:endParaRPr>
           </a:p>
           <a:p>
             <a:pPr>
               <a:buFont typeface="Wingdings 3" panose="05040102010807070707" pitchFamily="18" charset="2"/>
               <a:buChar char=""/>
             </a:pPr>
-            <a:endParaRPr lang="en-US" sz="1800">
+            <a:endParaRPr lang="en-US" sz="1800" dirty="0">
               <a:solidFill>
                 <a:srgbClr val="0F496F"/>
               </a:solidFill>
@@ -14233,9 +16001,50 @@
               <a:buChar char=""/>
             </a:pPr>
             <a:r>
-              <a:rPr lang="en-US"/>
-              <a:t>Relevancia para Nutricionistas, Médicos y Otros Profesionales de la Salud</a:t>
-            </a:r>
+              <a:rPr lang="en-US" sz="1800" dirty="0" err="1"/>
+              <a:t>Relevancia</a:t>
+            </a:r>
+            <a:r>
+              <a:rPr lang="en-US" sz="1800" dirty="0"/>
+              <a:t> para </a:t>
+            </a:r>
+            <a:r>
+              <a:rPr lang="en-US" sz="1800" dirty="0" err="1"/>
+              <a:t>Nutricionistas</a:t>
+            </a:r>
+            <a:r>
+              <a:rPr lang="en-US" sz="1800" dirty="0"/>
+              <a:t>, </a:t>
+            </a:r>
+            <a:r>
+              <a:rPr lang="en-US" sz="1800" dirty="0" err="1"/>
+              <a:t>Médicos</a:t>
+            </a:r>
+            <a:r>
+              <a:rPr lang="en-US" sz="1800" dirty="0"/>
+              <a:t> y </a:t>
+            </a:r>
+            <a:r>
+              <a:rPr lang="en-US" sz="1800" dirty="0" err="1"/>
+              <a:t>Otros</a:t>
+            </a:r>
+            <a:r>
+              <a:rPr lang="en-US" sz="1800" dirty="0"/>
+              <a:t> </a:t>
+            </a:r>
+            <a:r>
+              <a:rPr lang="en-US" sz="1800" dirty="0" err="1"/>
+              <a:t>Profesionales</a:t>
+            </a:r>
+            <a:r>
+              <a:rPr lang="en-US" sz="1800" dirty="0"/>
+              <a:t> de la </a:t>
+            </a:r>
+            <a:r>
+              <a:rPr lang="en-US" sz="1800" dirty="0" err="1"/>
+              <a:t>Salud</a:t>
+            </a:r>
+            <a:endParaRPr lang="en-US" sz="1800" dirty="0"/>
           </a:p>
           <a:p>
             <a:pPr>
@@ -14243,9 +16052,50 @@
               <a:buChar char=""/>
             </a:pPr>
             <a:r>
-              <a:rPr lang="en-US"/>
-              <a:t>Utilización de los Resultados para Futuros Estudios y Desarrollos</a:t>
-            </a:r>
+              <a:rPr lang="en-US" sz="1800" dirty="0" err="1"/>
+              <a:t>Utilización</a:t>
+            </a:r>
+            <a:r>
+              <a:rPr lang="en-US" sz="1800" dirty="0"/>
+              <a:t> de </a:t>
+            </a:r>
+            <a:r>
+              <a:rPr lang="en-US" sz="1800" dirty="0" err="1"/>
+              <a:t>los</a:t>
+            </a:r>
+            <a:r>
+              <a:rPr lang="en-US" sz="1800" dirty="0"/>
+              <a:t> </a:t>
+            </a:r>
+            <a:r>
+              <a:rPr lang="en-US" sz="1800" dirty="0" err="1"/>
+              <a:t>Resultados</a:t>
+            </a:r>
+            <a:r>
+              <a:rPr lang="en-US" sz="1800" dirty="0"/>
+              <a:t> para </a:t>
+            </a:r>
+            <a:r>
+              <a:rPr lang="en-US" sz="1800" dirty="0" err="1"/>
+              <a:t>Futuros</a:t>
+            </a:r>
+            <a:r>
+              <a:rPr lang="en-US" sz="1800" dirty="0"/>
+              <a:t> </a:t>
+            </a:r>
+            <a:r>
+              <a:rPr lang="en-US" sz="1800" dirty="0" err="1"/>
+              <a:t>Estudios</a:t>
+            </a:r>
+            <a:r>
+              <a:rPr lang="en-US" sz="1800" dirty="0"/>
+              <a:t> y </a:t>
+            </a:r>
+            <a:r>
+              <a:rPr lang="en-US" sz="1800" dirty="0" err="1"/>
+              <a:t>Desarrollos</a:t>
+            </a:r>
+            <a:endParaRPr lang="en-US" sz="1800" dirty="0"/>
           </a:p>
           <a:p>
             <a:pPr>
@@ -14253,9 +16103,34 @@
               <a:buChar char=""/>
             </a:pPr>
             <a:r>
-              <a:rPr lang="en-US"/>
-              <a:t>Ayuda en la Comprensión de la Importancia de un IMC Saludable</a:t>
-            </a:r>
+              <a:rPr lang="en-US" sz="1800" dirty="0" err="1"/>
+              <a:t>Ayuda</a:t>
+            </a:r>
+            <a:r>
+              <a:rPr lang="en-US" sz="1800" dirty="0"/>
+              <a:t> en la </a:t>
+            </a:r>
+            <a:r>
+              <a:rPr lang="en-US" sz="1800" dirty="0" err="1"/>
+              <a:t>Comprensión</a:t>
+            </a:r>
+            <a:r>
+              <a:rPr lang="en-US" sz="1800" dirty="0"/>
+              <a:t> de la </a:t>
+            </a:r>
+            <a:r>
+              <a:rPr lang="en-US" sz="1800" dirty="0" err="1"/>
+              <a:t>Importancia</a:t>
+            </a:r>
+            <a:r>
+              <a:rPr lang="en-US" sz="1800" dirty="0"/>
+              <a:t> de un IMC </a:t>
+            </a:r>
+            <a:r>
+              <a:rPr lang="en-US" sz="1800" dirty="0" err="1"/>
+              <a:t>Saludable</a:t>
+            </a:r>
+            <a:endParaRPr lang="en-US" sz="1800" dirty="0"/>
           </a:p>
           <a:p>
             <a:pPr>
@@ -14263,16 +16138,33 @@
               <a:buChar char=""/>
             </a:pPr>
             <a:r>
-              <a:rPr lang="en-US"/>
-              <a:t>Personalización de las Aplicaciones de Salud</a:t>
-            </a:r>
+              <a:rPr lang="en-US" sz="1800" dirty="0" err="1"/>
+              <a:t>Personalización</a:t>
+            </a:r>
+            <a:r>
+              <a:rPr lang="en-US" sz="1800" dirty="0"/>
+              <a:t> de las </a:t>
+            </a:r>
+            <a:r>
+              <a:rPr lang="en-US" sz="1800" dirty="0" err="1"/>
+              <a:t>Aplicaciones</a:t>
+            </a:r>
+            <a:r>
+              <a:rPr lang="en-US" sz="1800" dirty="0"/>
+              <a:t> de </a:t>
+            </a:r>
+            <a:r>
+              <a:rPr lang="en-US" sz="1800" dirty="0" err="1"/>
+              <a:t>Salud</a:t>
+            </a:r>
+            <a:endParaRPr lang="en-US" sz="1800" dirty="0"/>
           </a:p>
           <a:p>
             <a:pPr>
               <a:buFont typeface="Wingdings 3" panose="05040102010807070707" pitchFamily="18" charset="2"/>
               <a:buChar char=""/>
             </a:pPr>
-            <a:endParaRPr lang="en-US"/>
+            <a:endParaRPr lang="en-US" dirty="0"/>
           </a:p>
         </p:txBody>
       </p:sp>
@@ -15095,19 +16987,44 @@
               <a:buChar char=""/>
             </a:pPr>
             <a:r>
-              <a:rPr lang="en-US"/>
-              <a:t>Hipótesis 1: Contar Calorías Ayuda a Tener un Grado Saludable de Obesidad</a:t>
-            </a:r>
+              <a:rPr lang="en-US" sz="2000" dirty="0" err="1"/>
+              <a:t>Hipótesis</a:t>
+            </a:r>
+            <a:r>
+              <a:rPr lang="en-US" sz="2000" dirty="0"/>
+              <a:t> 1: </a:t>
+            </a:r>
+            <a:r>
+              <a:rPr lang="es-ES" sz="2000" dirty="0"/>
+              <a:t>Los pacientes que cuentan las calorías consumidas en su ingesta diaria de alimentos no contribuyen a mejorar su salud respecto a la obesidad.</a:t>
+            </a:r>
+            <a:endParaRPr lang="en-US" sz="2000" dirty="0"/>
           </a:p>
           <a:p>
             <a:pPr>
               <a:buFont typeface="Wingdings 3" panose="05040102010807070707" pitchFamily="18" charset="2"/>
               <a:buChar char=""/>
             </a:pPr>
-            <a:r>
-              <a:rPr lang="en-US"/>
-              <a:t>Hipótesis 2: Uso de Dispositivos con Pantalla y Grado de Obesidad</a:t>
-            </a:r>
+            <a:endParaRPr lang="en-US" sz="2000" dirty="0"/>
+          </a:p>
+          <a:p>
+            <a:pPr>
+              <a:buFont typeface="Wingdings 3" panose="05040102010807070707" pitchFamily="18" charset="2"/>
+              <a:buChar char=""/>
+            </a:pPr>
+            <a:r>
+              <a:rPr lang="en-US" sz="2000" dirty="0" err="1"/>
+              <a:t>Hipótesis</a:t>
+            </a:r>
+            <a:r>
+              <a:rPr lang="en-US" sz="2000" dirty="0"/>
+              <a:t> 2: </a:t>
+            </a:r>
+            <a:r>
+              <a:rPr lang="es-ES" sz="2000" dirty="0"/>
+              <a:t>Los pacientes que usan mayor tiempo dispositivos, tienden al sedentarismo y esto podría empeorar su peso.</a:t>
+            </a:r>
+            <a:endParaRPr lang="en-US" sz="2000" dirty="0"/>
           </a:p>
         </p:txBody>
       </p:sp>
@@ -15858,9 +17775,26 @@
               <a:buChar char=""/>
             </a:pPr>
             <a:r>
-              <a:rPr lang="en-US"/>
-              <a:t>Descripción de las Columnas de Datos</a:t>
-            </a:r>
+              <a:rPr lang="en-US" sz="2000" dirty="0" err="1"/>
+              <a:t>Descripción</a:t>
+            </a:r>
+            <a:r>
+              <a:rPr lang="en-US" sz="2000" dirty="0"/>
+              <a:t> de las </a:t>
+            </a:r>
+            <a:r>
+              <a:rPr lang="en-US" sz="2000" dirty="0" err="1"/>
+              <a:t>Columnas</a:t>
+            </a:r>
+            <a:r>
+              <a:rPr lang="en-US" sz="2000" dirty="0"/>
+              <a:t> de </a:t>
+            </a:r>
+            <a:r>
+              <a:rPr lang="en-US" sz="2000" dirty="0" err="1"/>
+              <a:t>Datos</a:t>
+            </a:r>
+            <a:endParaRPr lang="en-US" sz="2000" dirty="0"/>
           </a:p>
           <a:p>
             <a:pPr>
@@ -15868,9 +17802,42 @@
               <a:buChar char=""/>
             </a:pPr>
             <a:r>
-              <a:rPr lang="en-US"/>
-              <a:t>Análisis de la Relación entre Contar Calorías y Edad</a:t>
-            </a:r>
+              <a:rPr lang="en-US" sz="2000" dirty="0" err="1"/>
+              <a:t>Análisis</a:t>
+            </a:r>
+            <a:r>
+              <a:rPr lang="en-US" sz="2000" dirty="0"/>
+              <a:t> de la </a:t>
+            </a:r>
+            <a:r>
+              <a:rPr lang="en-US" sz="2000" dirty="0" err="1"/>
+              <a:t>Relación</a:t>
+            </a:r>
+            <a:r>
+              <a:rPr lang="en-US" sz="2000" dirty="0"/>
+              <a:t> entre </a:t>
+            </a:r>
+            <a:r>
+              <a:rPr lang="en-US" sz="2000" dirty="0" err="1"/>
+              <a:t>Contar</a:t>
+            </a:r>
+            <a:r>
+              <a:rPr lang="en-US" sz="2000" dirty="0"/>
+              <a:t> </a:t>
+            </a:r>
+            <a:r>
+              <a:rPr lang="en-US" sz="2000" dirty="0" err="1"/>
+              <a:t>Calorías</a:t>
+            </a:r>
+            <a:r>
+              <a:rPr lang="en-US" sz="2000" dirty="0"/>
+              <a:t> y </a:t>
+            </a:r>
+            <a:r>
+              <a:rPr lang="en-US" sz="2000" dirty="0" err="1"/>
+              <a:t>Edad</a:t>
+            </a:r>
+            <a:endParaRPr lang="en-US" sz="2000" dirty="0"/>
           </a:p>
           <a:p>
             <a:pPr>
@@ -15878,16 +17845,57 @@
               <a:buChar char=""/>
             </a:pPr>
             <a:r>
-              <a:rPr lang="en-US"/>
-              <a:t>Análisis de la Relación entre Uso de Dispositivos con Pantalla y Edad</a:t>
-            </a:r>
+              <a:rPr lang="en-US" sz="2000" dirty="0" err="1"/>
+              <a:t>Análisis</a:t>
+            </a:r>
+            <a:r>
+              <a:rPr lang="en-US" sz="2000" dirty="0"/>
+              <a:t> de la </a:t>
+            </a:r>
+            <a:r>
+              <a:rPr lang="en-US" sz="2000" dirty="0" err="1"/>
+              <a:t>Relación</a:t>
+            </a:r>
+            <a:r>
+              <a:rPr lang="en-US" sz="2000" dirty="0"/>
+              <a:t> entre </a:t>
+            </a:r>
+            <a:r>
+              <a:rPr lang="en-US" sz="2000" dirty="0" err="1"/>
+              <a:t>Uso</a:t>
+            </a:r>
+            <a:r>
+              <a:rPr lang="en-US" sz="2000" dirty="0"/>
+              <a:t> de </a:t>
+            </a:r>
+            <a:r>
+              <a:rPr lang="en-US" sz="2000" dirty="0" err="1"/>
+              <a:t>Dispositivos</a:t>
+            </a:r>
+            <a:r>
+              <a:rPr lang="en-US" sz="2000" dirty="0"/>
+              <a:t> con </a:t>
+            </a:r>
+            <a:r>
+              <a:rPr lang="en-US" sz="2000" dirty="0" err="1"/>
+              <a:t>Pantalla</a:t>
+            </a:r>
+            <a:r>
+              <a:rPr lang="en-US" sz="2000" dirty="0"/>
+              <a:t> y </a:t>
+            </a:r>
+            <a:r>
+              <a:rPr lang="en-US" sz="2000" dirty="0" err="1"/>
+              <a:t>Edad</a:t>
+            </a:r>
+            <a:endParaRPr lang="en-US" sz="2000" dirty="0"/>
           </a:p>
           <a:p>
             <a:pPr>
               <a:buFont typeface="Wingdings 3" panose="05040102010807070707" pitchFamily="18" charset="2"/>
               <a:buChar char=""/>
             </a:pPr>
-            <a:endParaRPr lang="en-US"/>
+            <a:endParaRPr lang="en-US" dirty="0"/>
           </a:p>
         </p:txBody>
       </p:sp>
@@ -16227,6 +18235,31 @@
 <file path=ppt/slides/slide8.xml><?xml version="1.0" encoding="utf-8"?>
 <p:sld xmlns:a="http://schemas.openxmlformats.org/drawingml/2006/main" xmlns:r="http://schemas.openxmlformats.org/officeDocument/2006/relationships" xmlns:p="http://schemas.openxmlformats.org/presentationml/2006/main">
   <p:cSld>
+    <p:bg>
+      <p:bgPr>
+        <a:gradFill rotWithShape="1">
+          <a:gsLst>
+            <a:gs pos="10000">
+              <a:schemeClr val="bg2">
+                <a:tint val="97000"/>
+                <a:hueMod val="92000"/>
+                <a:satMod val="169000"/>
+                <a:lumMod val="164000"/>
+              </a:schemeClr>
+            </a:gs>
+            <a:gs pos="100000">
+              <a:schemeClr val="bg2">
+                <a:shade val="96000"/>
+                <a:satMod val="120000"/>
+                <a:lumMod val="90000"/>
+              </a:schemeClr>
+            </a:gs>
+          </a:gsLst>
+          <a:lin ang="6120000" scaled="1"/>
+        </a:gradFill>
+        <a:effectLst/>
+      </p:bgPr>
+    </p:bg>
     <p:spTree>
       <p:nvGrpSpPr>
         <p:cNvPr id="1" name=""/>
@@ -16241,12 +18274,354 @@
           <a:chExt cx="0" cy="0"/>
         </a:xfrm>
       </p:grpSpPr>
+      <p:grpSp>
+        <p:nvGrpSpPr>
+          <p:cNvPr id="15" name="Group 14">
+            <a:extLst>
+              <a:ext uri="{FF2B5EF4-FFF2-40B4-BE49-F238E27FC236}">
+                <a16:creationId xmlns:a16="http://schemas.microsoft.com/office/drawing/2014/main" id="{8F1EF17D-1B70-428C-8A8A-A2C5B390E1E9}"/>
+              </a:ext>
+              <a:ext uri="{C183D7F6-B498-43B3-948B-1728B52AA6E4}">
+                <adec:decorative xmlns:adec="http://schemas.microsoft.com/office/drawing/2017/decorative" val="1"/>
+              </a:ext>
+            </a:extLst>
+          </p:cNvPr>
+          <p:cNvGrpSpPr>
+            <a:grpSpLocks noGrp="1" noUngrp="1" noRot="1" noChangeAspect="1" noMove="1" noResize="1"/>
+          </p:cNvGrpSpPr>
+          <p:nvPr>
+            <p:extLst>
+              <p:ext uri="{386F3935-93C4-4BCD-93E2-E3B085C9AB24}">
+                <p16:designElem xmlns:p16="http://schemas.microsoft.com/office/powerpoint/2015/main" val="1"/>
+              </p:ext>
+            </p:extLst>
+          </p:nvPr>
+        </p:nvGrpSpPr>
+        <p:grpSpPr>
+          <a:xfrm>
+            <a:off x="9206969" y="2963333"/>
+            <a:ext cx="2981858" cy="3208867"/>
+            <a:chOff x="9206969" y="2963333"/>
+            <a:chExt cx="2981858" cy="3208867"/>
+          </a:xfrm>
+        </p:grpSpPr>
+        <p:cxnSp>
+          <p:nvCxnSpPr>
+            <p:cNvPr id="16" name="Straight Connector 15">
+              <a:extLst>
+                <a:ext uri="{FF2B5EF4-FFF2-40B4-BE49-F238E27FC236}">
+                  <a16:creationId xmlns:a16="http://schemas.microsoft.com/office/drawing/2014/main" id="{12FAEDF3-CEC8-4BF6-8EA7-4079C471838C}"/>
+                </a:ext>
+                <a:ext uri="{C183D7F6-B498-43B3-948B-1728B52AA6E4}">
+                  <adec:decorative xmlns:adec="http://schemas.microsoft.com/office/drawing/2017/decorative" val="1"/>
+                </a:ext>
+              </a:extLst>
+            </p:cNvPr>
+            <p:cNvCxnSpPr/>
+            <p:nvPr>
+              <p:extLst>
+                <p:ext uri="{386F3935-93C4-4BCD-93E2-E3B085C9AB24}">
+                  <p16:designElem xmlns:p16="http://schemas.microsoft.com/office/powerpoint/2015/main" val="1"/>
+                </p:ext>
+              </p:extLst>
+            </p:nvPr>
+          </p:nvCxnSpPr>
+          <p:spPr>
+            <a:xfrm flipH="1">
+              <a:off x="11276012" y="2963333"/>
+              <a:ext cx="912814" cy="912812"/>
+            </a:xfrm>
+            <a:prstGeom prst="line">
+              <a:avLst/>
+            </a:prstGeom>
+            <a:ln w="9525">
+              <a:solidFill>
+                <a:schemeClr val="tx1"/>
+              </a:solidFill>
+            </a:ln>
+          </p:spPr>
+          <p:style>
+            <a:lnRef idx="2">
+              <a:schemeClr val="accent1"/>
+            </a:lnRef>
+            <a:fillRef idx="0">
+              <a:schemeClr val="accent1"/>
+            </a:fillRef>
+            <a:effectRef idx="1">
+              <a:schemeClr val="accent1"/>
+            </a:effectRef>
+            <a:fontRef idx="minor">
+              <a:schemeClr val="tx1"/>
+            </a:fontRef>
+          </p:style>
+        </p:cxnSp>
+        <p:cxnSp>
+          <p:nvCxnSpPr>
+            <p:cNvPr id="17" name="Straight Connector 16">
+              <a:extLst>
+                <a:ext uri="{FF2B5EF4-FFF2-40B4-BE49-F238E27FC236}">
+                  <a16:creationId xmlns:a16="http://schemas.microsoft.com/office/drawing/2014/main" id="{398DB8F4-CD77-4FCC-8544-ADE8B478C151}"/>
+                </a:ext>
+                <a:ext uri="{C183D7F6-B498-43B3-948B-1728B52AA6E4}">
+                  <adec:decorative xmlns:adec="http://schemas.microsoft.com/office/drawing/2017/decorative" val="1"/>
+                </a:ext>
+              </a:extLst>
+            </p:cNvPr>
+            <p:cNvCxnSpPr/>
+            <p:nvPr>
+              <p:extLst>
+                <p:ext uri="{386F3935-93C4-4BCD-93E2-E3B085C9AB24}">
+                  <p16:designElem xmlns:p16="http://schemas.microsoft.com/office/powerpoint/2015/main" val="1"/>
+                </p:ext>
+              </p:extLst>
+            </p:nvPr>
+          </p:nvCxnSpPr>
+          <p:spPr>
+            <a:xfrm flipH="1">
+              <a:off x="9206969" y="3190344"/>
+              <a:ext cx="2981857" cy="2981856"/>
+            </a:xfrm>
+            <a:prstGeom prst="line">
+              <a:avLst/>
+            </a:prstGeom>
+            <a:ln w="9525">
+              <a:solidFill>
+                <a:schemeClr val="tx1"/>
+              </a:solidFill>
+            </a:ln>
+          </p:spPr>
+          <p:style>
+            <a:lnRef idx="2">
+              <a:schemeClr val="accent1"/>
+            </a:lnRef>
+            <a:fillRef idx="0">
+              <a:schemeClr val="accent1"/>
+            </a:fillRef>
+            <a:effectRef idx="1">
+              <a:schemeClr val="accent1"/>
+            </a:effectRef>
+            <a:fontRef idx="minor">
+              <a:schemeClr val="tx1"/>
+            </a:fontRef>
+          </p:style>
+        </p:cxnSp>
+        <p:cxnSp>
+          <p:nvCxnSpPr>
+            <p:cNvPr id="18" name="Straight Connector 17">
+              <a:extLst>
+                <a:ext uri="{FF2B5EF4-FFF2-40B4-BE49-F238E27FC236}">
+                  <a16:creationId xmlns:a16="http://schemas.microsoft.com/office/drawing/2014/main" id="{22202DFE-039D-48E4-8536-FA30F2489475}"/>
+                </a:ext>
+                <a:ext uri="{C183D7F6-B498-43B3-948B-1728B52AA6E4}">
+                  <adec:decorative xmlns:adec="http://schemas.microsoft.com/office/drawing/2017/decorative" val="1"/>
+                </a:ext>
+              </a:extLst>
+            </p:cNvPr>
+            <p:cNvCxnSpPr/>
+            <p:nvPr>
+              <p:extLst>
+                <p:ext uri="{386F3935-93C4-4BCD-93E2-E3B085C9AB24}">
+                  <p16:designElem xmlns:p16="http://schemas.microsoft.com/office/powerpoint/2015/main" val="1"/>
+                </p:ext>
+              </p:extLst>
+            </p:nvPr>
+          </p:nvCxnSpPr>
+          <p:spPr>
+            <a:xfrm flipH="1">
+              <a:off x="10292292" y="3285067"/>
+              <a:ext cx="1896534" cy="1896533"/>
+            </a:xfrm>
+            <a:prstGeom prst="line">
+              <a:avLst/>
+            </a:prstGeom>
+            <a:ln w="9525">
+              <a:solidFill>
+                <a:schemeClr val="tx1"/>
+              </a:solidFill>
+            </a:ln>
+          </p:spPr>
+          <p:style>
+            <a:lnRef idx="2">
+              <a:schemeClr val="accent1"/>
+            </a:lnRef>
+            <a:fillRef idx="0">
+              <a:schemeClr val="accent1"/>
+            </a:fillRef>
+            <a:effectRef idx="1">
+              <a:schemeClr val="accent1"/>
+            </a:effectRef>
+            <a:fontRef idx="minor">
+              <a:schemeClr val="tx1"/>
+            </a:fontRef>
+          </p:style>
+        </p:cxnSp>
+        <p:cxnSp>
+          <p:nvCxnSpPr>
+            <p:cNvPr id="19" name="Straight Connector 18">
+              <a:extLst>
+                <a:ext uri="{FF2B5EF4-FFF2-40B4-BE49-F238E27FC236}">
+                  <a16:creationId xmlns:a16="http://schemas.microsoft.com/office/drawing/2014/main" id="{81F05E26-510E-4164-83C7-28E4FE9D7EA3}"/>
+                </a:ext>
+                <a:ext uri="{C183D7F6-B498-43B3-948B-1728B52AA6E4}">
+                  <adec:decorative xmlns:adec="http://schemas.microsoft.com/office/drawing/2017/decorative" val="1"/>
+                </a:ext>
+              </a:extLst>
+            </p:cNvPr>
+            <p:cNvCxnSpPr/>
+            <p:nvPr>
+              <p:extLst>
+                <p:ext uri="{386F3935-93C4-4BCD-93E2-E3B085C9AB24}">
+                  <p16:designElem xmlns:p16="http://schemas.microsoft.com/office/powerpoint/2015/main" val="1"/>
+                </p:ext>
+              </p:extLst>
+            </p:nvPr>
+          </p:nvCxnSpPr>
+          <p:spPr>
+            <a:xfrm flipH="1">
+              <a:off x="10443103" y="3131080"/>
+              <a:ext cx="1745722" cy="1745720"/>
+            </a:xfrm>
+            <a:prstGeom prst="line">
+              <a:avLst/>
+            </a:prstGeom>
+            <a:ln w="28575">
+              <a:solidFill>
+                <a:schemeClr val="tx1"/>
+              </a:solidFill>
+            </a:ln>
+          </p:spPr>
+          <p:style>
+            <a:lnRef idx="2">
+              <a:schemeClr val="accent1"/>
+            </a:lnRef>
+            <a:fillRef idx="0">
+              <a:schemeClr val="accent1"/>
+            </a:fillRef>
+            <a:effectRef idx="1">
+              <a:schemeClr val="accent1"/>
+            </a:effectRef>
+            <a:fontRef idx="minor">
+              <a:schemeClr val="tx1"/>
+            </a:fontRef>
+          </p:style>
+        </p:cxnSp>
+        <p:cxnSp>
+          <p:nvCxnSpPr>
+            <p:cNvPr id="20" name="Straight Connector 19">
+              <a:extLst>
+                <a:ext uri="{FF2B5EF4-FFF2-40B4-BE49-F238E27FC236}">
+                  <a16:creationId xmlns:a16="http://schemas.microsoft.com/office/drawing/2014/main" id="{E632161A-50D4-4D96-887A-98FC9209310C}"/>
+                </a:ext>
+                <a:ext uri="{C183D7F6-B498-43B3-948B-1728B52AA6E4}">
+                  <adec:decorative xmlns:adec="http://schemas.microsoft.com/office/drawing/2017/decorative" val="1"/>
+                </a:ext>
+              </a:extLst>
+            </p:cNvPr>
+            <p:cNvCxnSpPr/>
+            <p:nvPr>
+              <p:extLst>
+                <p:ext uri="{386F3935-93C4-4BCD-93E2-E3B085C9AB24}">
+                  <p16:designElem xmlns:p16="http://schemas.microsoft.com/office/powerpoint/2015/main" val="1"/>
+                </p:ext>
+              </p:extLst>
+            </p:nvPr>
+          </p:nvCxnSpPr>
+          <p:spPr>
+            <a:xfrm flipH="1">
+              <a:off x="10918826" y="3683001"/>
+              <a:ext cx="1270001" cy="1269999"/>
+            </a:xfrm>
+            <a:prstGeom prst="line">
+              <a:avLst/>
+            </a:prstGeom>
+            <a:ln w="28575">
+              <a:solidFill>
+                <a:schemeClr val="tx1"/>
+              </a:solidFill>
+            </a:ln>
+          </p:spPr>
+          <p:style>
+            <a:lnRef idx="2">
+              <a:schemeClr val="accent1"/>
+            </a:lnRef>
+            <a:fillRef idx="0">
+              <a:schemeClr val="accent1"/>
+            </a:fillRef>
+            <a:effectRef idx="1">
+              <a:schemeClr val="accent1"/>
+            </a:effectRef>
+            <a:fontRef idx="minor">
+              <a:schemeClr val="tx1"/>
+            </a:fontRef>
+          </p:style>
+        </p:cxnSp>
+      </p:grpSp>
+      <p:sp useBgFill="1">
+        <p:nvSpPr>
+          <p:cNvPr id="22" name="Rectangle 21">
+            <a:extLst>
+              <a:ext uri="{FF2B5EF4-FFF2-40B4-BE49-F238E27FC236}">
+                <a16:creationId xmlns:a16="http://schemas.microsoft.com/office/drawing/2014/main" id="{E09CCB3F-DBCE-4964-9E34-8C5DE80EF4B5}"/>
+              </a:ext>
+              <a:ext uri="{C183D7F6-B498-43B3-948B-1728B52AA6E4}">
+                <adec:decorative xmlns:adec="http://schemas.microsoft.com/office/drawing/2017/decorative" val="1"/>
+              </a:ext>
+            </a:extLst>
+          </p:cNvPr>
+          <p:cNvSpPr>
+            <a:spLocks noGrp="1" noRot="1" noChangeAspect="1" noMove="1" noResize="1" noEditPoints="1" noAdjustHandles="1" noChangeArrowheads="1" noChangeShapeType="1" noTextEdit="1"/>
+          </p:cNvSpPr>
+          <p:nvPr>
+            <p:extLst>
+              <p:ext uri="{386F3935-93C4-4BCD-93E2-E3B085C9AB24}">
+                <p16:designElem xmlns:p16="http://schemas.microsoft.com/office/powerpoint/2015/main" val="1"/>
+              </p:ext>
+            </p:extLst>
+          </p:nvPr>
+        </p:nvSpPr>
+        <p:spPr>
+          <a:xfrm>
+            <a:off x="0" y="0"/>
+            <a:ext cx="12192000" cy="6858000"/>
+          </a:xfrm>
+          <a:prstGeom prst="rect">
+            <a:avLst/>
+          </a:prstGeom>
+          <a:ln>
+            <a:noFill/>
+          </a:ln>
+        </p:spPr>
+        <p:style>
+          <a:lnRef idx="2">
+            <a:schemeClr val="accent1">
+              <a:shade val="50000"/>
+            </a:schemeClr>
+          </a:lnRef>
+          <a:fillRef idx="1">
+            <a:schemeClr val="accent1"/>
+          </a:fillRef>
+          <a:effectRef idx="0">
+            <a:schemeClr val="accent1"/>
+          </a:effectRef>
+          <a:fontRef idx="minor">
+            <a:schemeClr val="lt1"/>
+          </a:fontRef>
+        </p:style>
+        <p:txBody>
+          <a:bodyPr rtlCol="0" anchor="ctr"/>
+          <a:lstStyle/>
+          <a:p>
+            <a:pPr algn="ctr"/>
+            <a:endParaRPr lang="en-US"/>
+          </a:p>
+        </p:txBody>
+      </p:sp>
       <p:sp>
         <p:nvSpPr>
           <p:cNvPr id="2" name="Título 1">
             <a:extLst>
               <a:ext uri="{FF2B5EF4-FFF2-40B4-BE49-F238E27FC236}">
-                <a16:creationId xmlns:a16="http://schemas.microsoft.com/office/drawing/2014/main" id="{191047B7-BC76-1AB4-E186-B6289E6F55A2}"/>
+                <a16:creationId xmlns:a16="http://schemas.microsoft.com/office/drawing/2014/main" id="{EC7B06C0-AEF4-ACFE-CE29-2F39E5901E38}"/>
               </a:ext>
             </a:extLst>
           </p:cNvPr>
@@ -16257,50 +18632,171 @@
             <p:ph type="title"/>
           </p:nvPr>
         </p:nvSpPr>
-        <p:spPr/>
+        <p:spPr>
+          <a:xfrm>
+            <a:off x="7532710" y="620722"/>
+            <a:ext cx="3518748" cy="1142462"/>
+          </a:xfrm>
+        </p:spPr>
         <p:txBody>
-          <a:bodyPr/>
+          <a:bodyPr vert="horz" lIns="91440" tIns="45720" rIns="91440" bIns="45720" rtlCol="0" anchor="b">
+            <a:normAutofit/>
+          </a:bodyPr>
           <a:lstStyle/>
           <a:p>
-            <a:r>
-              <a:rPr lang="es-AR" dirty="0"/>
-              <a:t>Recomendaciones y conclusiones</a:t>
-            </a:r>
+            <a:pPr>
+              <a:lnSpc>
+                <a:spcPct val="90000"/>
+              </a:lnSpc>
+            </a:pPr>
+            <a:r>
+              <a:rPr lang="en-US" sz="1100" b="0" i="0"/>
+              <a:t>Hipótesis 1: - Que los pacientes cuenten sus calorías consumidas de su ingesta diaria de alimentos ayuda tener un grado saludable respecto a la obesidad.</a:t>
+            </a:r>
+            <a:br>
+              <a:rPr lang="en-US" sz="1100" b="0" i="0"/>
+            </a:br>
+            <a:endParaRPr lang="en-US" sz="1100"/>
           </a:p>
         </p:txBody>
       </p:sp>
-      <p:graphicFrame>
-        <p:nvGraphicFramePr>
-          <p:cNvPr id="6" name="Marcador de contenido 2">
+      <p:sp>
+        <p:nvSpPr>
+          <p:cNvPr id="24" name="Snip Diagonal Corner Rectangle 24">
             <a:extLst>
               <a:ext uri="{FF2B5EF4-FFF2-40B4-BE49-F238E27FC236}">
-                <a16:creationId xmlns:a16="http://schemas.microsoft.com/office/drawing/2014/main" id="{228F627C-CF0B-2562-EA43-453EF3D2847F}"/>
+                <a16:creationId xmlns:a16="http://schemas.microsoft.com/office/drawing/2014/main" id="{1DFF944F-74BA-483A-82C0-64E3AAF4AE98}"/>
+              </a:ext>
+              <a:ext uri="{C183D7F6-B498-43B3-948B-1728B52AA6E4}">
+                <adec:decorative xmlns:adec="http://schemas.microsoft.com/office/drawing/2017/decorative" val="1"/>
               </a:ext>
             </a:extLst>
           </p:cNvPr>
-          <p:cNvGraphicFramePr>
-            <a:graphicFrameLocks noGrp="1"/>
-          </p:cNvGraphicFramePr>
+          <p:cNvSpPr>
+            <a:spLocks noGrp="1" noRot="1" noChangeAspect="1" noMove="1" noResize="1" noEditPoints="1" noAdjustHandles="1" noChangeArrowheads="1" noChangeShapeType="1" noTextEdit="1"/>
+          </p:cNvSpPr>
           <p:nvPr>
-            <p:ph idx="1"/>
+            <p:extLst>
+              <p:ext uri="{386F3935-93C4-4BCD-93E2-E3B085C9AB24}">
+                <p16:designElem xmlns:p16="http://schemas.microsoft.com/office/powerpoint/2015/main" val="1"/>
+              </p:ext>
+            </p:extLst>
           </p:nvPr>
-        </p:nvGraphicFramePr>
-        <p:xfrm>
-          <a:off x="684212" y="685800"/>
-          <a:ext cx="5943601" cy="5308600"/>
-        </p:xfrm>
-        <a:graphic>
-          <a:graphicData uri="http://schemas.openxmlformats.org/drawingml/2006/diagram">
-            <dgm:relIds xmlns:dgm="http://schemas.openxmlformats.org/drawingml/2006/diagram" xmlns:r="http://schemas.openxmlformats.org/officeDocument/2006/relationships" r:dm="rId2" r:lo="rId3" r:qs="rId4" r:cs="rId5"/>
-          </a:graphicData>
-        </a:graphic>
-      </p:graphicFrame>
+        </p:nvSpPr>
+        <p:spPr>
+          <a:xfrm>
+            <a:off x="612990" y="620722"/>
+            <a:ext cx="6575496" cy="5286838"/>
+          </a:xfrm>
+          <a:prstGeom prst="snip2DiagRect">
+            <a:avLst>
+              <a:gd name="adj1" fmla="val 10787"/>
+              <a:gd name="adj2" fmla="val 0"/>
+            </a:avLst>
+          </a:prstGeom>
+          <a:solidFill>
+            <a:schemeClr val="tx1"/>
+          </a:solidFill>
+          <a:ln>
+            <a:noFill/>
+          </a:ln>
+          <a:effectLst>
+            <a:innerShdw blurRad="57150" dist="38100" dir="14460000">
+              <a:prstClr val="black">
+                <a:alpha val="70000"/>
+              </a:prstClr>
+            </a:innerShdw>
+          </a:effectLst>
+        </p:spPr>
+        <p:style>
+          <a:lnRef idx="2">
+            <a:schemeClr val="accent1">
+              <a:shade val="50000"/>
+            </a:schemeClr>
+          </a:lnRef>
+          <a:fillRef idx="1">
+            <a:schemeClr val="accent1"/>
+          </a:fillRef>
+          <a:effectRef idx="0">
+            <a:schemeClr val="accent1"/>
+          </a:effectRef>
+          <a:fontRef idx="minor">
+            <a:schemeClr val="lt1"/>
+          </a:fontRef>
+        </p:style>
+        <p:txBody>
+          <a:bodyPr rtlCol="0" anchor="ctr"/>
+          <a:lstStyle/>
+          <a:p>
+            <a:pPr algn="ctr"/>
+            <a:endParaRPr lang="en-US"/>
+          </a:p>
+        </p:txBody>
+      </p:sp>
+      <p:pic>
+        <p:nvPicPr>
+          <p:cNvPr id="6" name="Marcador de contenido 5">
+            <a:extLst>
+              <a:ext uri="{FF2B5EF4-FFF2-40B4-BE49-F238E27FC236}">
+                <a16:creationId xmlns:a16="http://schemas.microsoft.com/office/drawing/2014/main" id="{61A197B2-5736-ED63-C4C4-E3AE3E19EF4C}"/>
+              </a:ext>
+            </a:extLst>
+          </p:cNvPr>
+          <p:cNvPicPr>
+            <a:picLocks noGrp="1" noChangeAspect="1"/>
+          </p:cNvPicPr>
+          <p:nvPr>
+            <p:ph sz="half" idx="1"/>
+          </p:nvPr>
+        </p:nvPicPr>
+        <p:blipFill rotWithShape="1">
+          <a:blip r:embed="rId2"/>
+          <a:srcRect t="805" r="-2" b="-2"/>
+          <a:stretch/>
+        </p:blipFill>
+        <p:spPr>
+          <a:xfrm>
+            <a:off x="778062" y="786117"/>
+            <a:ext cx="6245352" cy="4956048"/>
+          </a:xfrm>
+          <a:custGeom>
+            <a:avLst/>
+            <a:gdLst/>
+            <a:ahLst/>
+            <a:cxnLst/>
+            <a:rect l="l" t="t" r="r" b="b"/>
+            <a:pathLst>
+              <a:path w="6245352" h="4956048">
+                <a:moveTo>
+                  <a:pt x="534609" y="0"/>
+                </a:moveTo>
+                <a:lnTo>
+                  <a:pt x="6245352" y="0"/>
+                </a:lnTo>
+                <a:lnTo>
+                  <a:pt x="6245352" y="4421439"/>
+                </a:lnTo>
+                <a:lnTo>
+                  <a:pt x="5710743" y="4956048"/>
+                </a:lnTo>
+                <a:lnTo>
+                  <a:pt x="0" y="4956048"/>
+                </a:lnTo>
+                <a:lnTo>
+                  <a:pt x="0" y="534609"/>
+                </a:lnTo>
+                <a:close/>
+              </a:path>
+            </a:pathLst>
+          </a:custGeom>
+        </p:spPr>
+      </p:pic>
       <p:sp>
         <p:nvSpPr>
-          <p:cNvPr id="4" name="Marcador de texto 3">
+          <p:cNvPr id="10" name="Marcador de contenido 9">
             <a:extLst>
               <a:ext uri="{FF2B5EF4-FFF2-40B4-BE49-F238E27FC236}">
-                <a16:creationId xmlns:a16="http://schemas.microsoft.com/office/drawing/2014/main" id="{021DD1E2-4CF3-2DE0-3CD4-5D545E63D780}"/>
+                <a16:creationId xmlns:a16="http://schemas.microsoft.com/office/drawing/2014/main" id="{BB4EA98D-42DB-A214-C7F6-1AB9122EEF8B}"/>
               </a:ext>
             </a:extLst>
           </p:cNvPr>
@@ -16308,25 +18804,1331 @@
             <a:spLocks noGrp="1"/>
           </p:cNvSpPr>
           <p:nvPr>
-            <p:ph type="body" sz="half" idx="2"/>
+            <p:ph sz="half" idx="2"/>
           </p:nvPr>
         </p:nvSpPr>
-        <p:spPr/>
+        <p:spPr>
+          <a:xfrm>
+            <a:off x="7532710" y="1822449"/>
+            <a:ext cx="3479419" cy="3070226"/>
+          </a:xfrm>
+        </p:spPr>
         <p:txBody>
-          <a:bodyPr/>
+          <a:bodyPr vert="horz" lIns="91440" tIns="45720" rIns="91440" bIns="45720" rtlCol="0" anchor="t">
+            <a:normAutofit/>
+          </a:bodyPr>
           <a:lstStyle/>
           <a:p>
-            <a:r>
-              <a:rPr lang="es-AR" dirty="0"/>
-              <a:t>APP REALLY</a:t>
-            </a:r>
+            <a:pPr>
+              <a:lnSpc>
+                <a:spcPct val="90000"/>
+              </a:lnSpc>
+            </a:pPr>
+            <a:r>
+              <a:rPr lang="en-US" sz="1400" b="0" i="0"/>
+              <a:t>Un alto grado de pacientes que realizan este seguimiento cuentan con pesos saludables. </a:t>
+            </a:r>
+          </a:p>
+          <a:p>
+            <a:pPr>
+              <a:lnSpc>
+                <a:spcPct val="90000"/>
+              </a:lnSpc>
+            </a:pPr>
+            <a:r>
+              <a:rPr lang="en-US" sz="1400"/>
+              <a:t>Las</a:t>
+            </a:r>
+            <a:r>
+              <a:rPr lang="en-US" sz="1400" b="0" i="0"/>
+              <a:t> personas que cuentan calorías son las más jóvenes, concentrándose en la población de 15 a 25 años</a:t>
+            </a:r>
+          </a:p>
+          <a:p>
+            <a:pPr>
+              <a:lnSpc>
+                <a:spcPct val="90000"/>
+              </a:lnSpc>
+            </a:pPr>
+            <a:r>
+              <a:rPr lang="en-US" sz="1400"/>
+              <a:t>Se interpreta que los jóvenes tienen </a:t>
+            </a:r>
+            <a:r>
+              <a:rPr lang="en-US" sz="1400" b="0" i="0"/>
+              <a:t>un mayor apego por la tecnología en ese rango etario, </a:t>
+            </a:r>
+          </a:p>
+          <a:p>
+            <a:pPr>
+              <a:lnSpc>
+                <a:spcPct val="90000"/>
+              </a:lnSpc>
+            </a:pPr>
+            <a:r>
+              <a:rPr lang="en-US" sz="1400"/>
+              <a:t>Se puede interpretar que</a:t>
+            </a:r>
+            <a:r>
+              <a:rPr lang="en-US" sz="1400" b="0" i="0"/>
+              <a:t> la tecnología es el medio más eficaz para hacer el conteo de calorías.</a:t>
+            </a:r>
+            <a:endParaRPr lang="en-US" sz="1400"/>
           </a:p>
         </p:txBody>
       </p:sp>
+      <p:grpSp>
+        <p:nvGrpSpPr>
+          <p:cNvPr id="26" name="Group 25">
+            <a:extLst>
+              <a:ext uri="{FF2B5EF4-FFF2-40B4-BE49-F238E27FC236}">
+                <a16:creationId xmlns:a16="http://schemas.microsoft.com/office/drawing/2014/main" id="{A9733A91-F958-4629-801A-3F6F1E09AD64}"/>
+              </a:ext>
+              <a:ext uri="{C183D7F6-B498-43B3-948B-1728B52AA6E4}">
+                <adec:decorative xmlns:adec="http://schemas.microsoft.com/office/drawing/2017/decorative" val="1"/>
+              </a:ext>
+            </a:extLst>
+          </p:cNvPr>
+          <p:cNvGrpSpPr>
+            <a:grpSpLocks noGrp="1" noUngrp="1" noRot="1" noChangeAspect="1" noMove="1" noResize="1"/>
+          </p:cNvGrpSpPr>
+          <p:nvPr>
+            <p:extLst>
+              <p:ext uri="{386F3935-93C4-4BCD-93E2-E3B085C9AB24}">
+                <p16:designElem xmlns:p16="http://schemas.microsoft.com/office/powerpoint/2015/main" val="1"/>
+              </p:ext>
+            </p:extLst>
+          </p:nvPr>
+        </p:nvGrpSpPr>
+        <p:grpSpPr>
+          <a:xfrm>
+            <a:off x="9206969" y="2963333"/>
+            <a:ext cx="2981858" cy="3208867"/>
+            <a:chOff x="9206969" y="2963333"/>
+            <a:chExt cx="2981858" cy="3208867"/>
+          </a:xfrm>
+        </p:grpSpPr>
+        <p:cxnSp>
+          <p:nvCxnSpPr>
+            <p:cNvPr id="27" name="Straight Connector 26">
+              <a:extLst>
+                <a:ext uri="{FF2B5EF4-FFF2-40B4-BE49-F238E27FC236}">
+                  <a16:creationId xmlns:a16="http://schemas.microsoft.com/office/drawing/2014/main" id="{F3812972-C68B-4C59-B3A7-4AF61E935D4A}"/>
+                </a:ext>
+                <a:ext uri="{C183D7F6-B498-43B3-948B-1728B52AA6E4}">
+                  <adec:decorative xmlns:adec="http://schemas.microsoft.com/office/drawing/2017/decorative" val="1"/>
+                </a:ext>
+              </a:extLst>
+            </p:cNvPr>
+            <p:cNvCxnSpPr/>
+            <p:nvPr>
+              <p:extLst>
+                <p:ext uri="{386F3935-93C4-4BCD-93E2-E3B085C9AB24}">
+                  <p16:designElem xmlns:p16="http://schemas.microsoft.com/office/powerpoint/2015/main" val="1"/>
+                </p:ext>
+              </p:extLst>
+            </p:nvPr>
+          </p:nvCxnSpPr>
+          <p:spPr>
+            <a:xfrm flipH="1">
+              <a:off x="11276012" y="2963333"/>
+              <a:ext cx="912814" cy="912812"/>
+            </a:xfrm>
+            <a:prstGeom prst="line">
+              <a:avLst/>
+            </a:prstGeom>
+            <a:ln w="9525">
+              <a:solidFill>
+                <a:schemeClr val="tx1"/>
+              </a:solidFill>
+            </a:ln>
+          </p:spPr>
+          <p:style>
+            <a:lnRef idx="2">
+              <a:schemeClr val="accent1"/>
+            </a:lnRef>
+            <a:fillRef idx="0">
+              <a:schemeClr val="accent1"/>
+            </a:fillRef>
+            <a:effectRef idx="1">
+              <a:schemeClr val="accent1"/>
+            </a:effectRef>
+            <a:fontRef idx="minor">
+              <a:schemeClr val="tx1"/>
+            </a:fontRef>
+          </p:style>
+        </p:cxnSp>
+        <p:cxnSp>
+          <p:nvCxnSpPr>
+            <p:cNvPr id="28" name="Straight Connector 27">
+              <a:extLst>
+                <a:ext uri="{FF2B5EF4-FFF2-40B4-BE49-F238E27FC236}">
+                  <a16:creationId xmlns:a16="http://schemas.microsoft.com/office/drawing/2014/main" id="{CB3F3B7C-7909-4486-AA08-5C6B625C3A0A}"/>
+                </a:ext>
+                <a:ext uri="{C183D7F6-B498-43B3-948B-1728B52AA6E4}">
+                  <adec:decorative xmlns:adec="http://schemas.microsoft.com/office/drawing/2017/decorative" val="1"/>
+                </a:ext>
+              </a:extLst>
+            </p:cNvPr>
+            <p:cNvCxnSpPr/>
+            <p:nvPr>
+              <p:extLst>
+                <p:ext uri="{386F3935-93C4-4BCD-93E2-E3B085C9AB24}">
+                  <p16:designElem xmlns:p16="http://schemas.microsoft.com/office/powerpoint/2015/main" val="1"/>
+                </p:ext>
+              </p:extLst>
+            </p:nvPr>
+          </p:nvCxnSpPr>
+          <p:spPr>
+            <a:xfrm flipH="1">
+              <a:off x="9206969" y="3190344"/>
+              <a:ext cx="2981857" cy="2981856"/>
+            </a:xfrm>
+            <a:prstGeom prst="line">
+              <a:avLst/>
+            </a:prstGeom>
+            <a:ln w="9525">
+              <a:solidFill>
+                <a:schemeClr val="tx1"/>
+              </a:solidFill>
+            </a:ln>
+          </p:spPr>
+          <p:style>
+            <a:lnRef idx="2">
+              <a:schemeClr val="accent1"/>
+            </a:lnRef>
+            <a:fillRef idx="0">
+              <a:schemeClr val="accent1"/>
+            </a:fillRef>
+            <a:effectRef idx="1">
+              <a:schemeClr val="accent1"/>
+            </a:effectRef>
+            <a:fontRef idx="minor">
+              <a:schemeClr val="tx1"/>
+            </a:fontRef>
+          </p:style>
+        </p:cxnSp>
+        <p:cxnSp>
+          <p:nvCxnSpPr>
+            <p:cNvPr id="29" name="Straight Connector 28">
+              <a:extLst>
+                <a:ext uri="{FF2B5EF4-FFF2-40B4-BE49-F238E27FC236}">
+                  <a16:creationId xmlns:a16="http://schemas.microsoft.com/office/drawing/2014/main" id="{00BD7DA8-741F-4296-9363-05EF91541119}"/>
+                </a:ext>
+                <a:ext uri="{C183D7F6-B498-43B3-948B-1728B52AA6E4}">
+                  <adec:decorative xmlns:adec="http://schemas.microsoft.com/office/drawing/2017/decorative" val="1"/>
+                </a:ext>
+              </a:extLst>
+            </p:cNvPr>
+            <p:cNvCxnSpPr/>
+            <p:nvPr>
+              <p:extLst>
+                <p:ext uri="{386F3935-93C4-4BCD-93E2-E3B085C9AB24}">
+                  <p16:designElem xmlns:p16="http://schemas.microsoft.com/office/powerpoint/2015/main" val="1"/>
+                </p:ext>
+              </p:extLst>
+            </p:nvPr>
+          </p:nvCxnSpPr>
+          <p:spPr>
+            <a:xfrm flipH="1">
+              <a:off x="10292292" y="3285067"/>
+              <a:ext cx="1896534" cy="1896533"/>
+            </a:xfrm>
+            <a:prstGeom prst="line">
+              <a:avLst/>
+            </a:prstGeom>
+            <a:ln w="9525">
+              <a:solidFill>
+                <a:schemeClr val="tx1"/>
+              </a:solidFill>
+            </a:ln>
+          </p:spPr>
+          <p:style>
+            <a:lnRef idx="2">
+              <a:schemeClr val="accent1"/>
+            </a:lnRef>
+            <a:fillRef idx="0">
+              <a:schemeClr val="accent1"/>
+            </a:fillRef>
+            <a:effectRef idx="1">
+              <a:schemeClr val="accent1"/>
+            </a:effectRef>
+            <a:fontRef idx="minor">
+              <a:schemeClr val="tx1"/>
+            </a:fontRef>
+          </p:style>
+        </p:cxnSp>
+        <p:cxnSp>
+          <p:nvCxnSpPr>
+            <p:cNvPr id="30" name="Straight Connector 29">
+              <a:extLst>
+                <a:ext uri="{FF2B5EF4-FFF2-40B4-BE49-F238E27FC236}">
+                  <a16:creationId xmlns:a16="http://schemas.microsoft.com/office/drawing/2014/main" id="{62068EFC-20FC-456F-839F-4BCFFCAA8197}"/>
+                </a:ext>
+                <a:ext uri="{C183D7F6-B498-43B3-948B-1728B52AA6E4}">
+                  <adec:decorative xmlns:adec="http://schemas.microsoft.com/office/drawing/2017/decorative" val="1"/>
+                </a:ext>
+              </a:extLst>
+            </p:cNvPr>
+            <p:cNvCxnSpPr/>
+            <p:nvPr>
+              <p:extLst>
+                <p:ext uri="{386F3935-93C4-4BCD-93E2-E3B085C9AB24}">
+                  <p16:designElem xmlns:p16="http://schemas.microsoft.com/office/powerpoint/2015/main" val="1"/>
+                </p:ext>
+              </p:extLst>
+            </p:nvPr>
+          </p:nvCxnSpPr>
+          <p:spPr>
+            <a:xfrm flipH="1">
+              <a:off x="10443103" y="3131080"/>
+              <a:ext cx="1745722" cy="1745720"/>
+            </a:xfrm>
+            <a:prstGeom prst="line">
+              <a:avLst/>
+            </a:prstGeom>
+            <a:ln w="28575">
+              <a:solidFill>
+                <a:schemeClr val="tx1"/>
+              </a:solidFill>
+            </a:ln>
+          </p:spPr>
+          <p:style>
+            <a:lnRef idx="2">
+              <a:schemeClr val="accent1"/>
+            </a:lnRef>
+            <a:fillRef idx="0">
+              <a:schemeClr val="accent1"/>
+            </a:fillRef>
+            <a:effectRef idx="1">
+              <a:schemeClr val="accent1"/>
+            </a:effectRef>
+            <a:fontRef idx="minor">
+              <a:schemeClr val="tx1"/>
+            </a:fontRef>
+          </p:style>
+        </p:cxnSp>
+        <p:cxnSp>
+          <p:nvCxnSpPr>
+            <p:cNvPr id="31" name="Straight Connector 30">
+              <a:extLst>
+                <a:ext uri="{FF2B5EF4-FFF2-40B4-BE49-F238E27FC236}">
+                  <a16:creationId xmlns:a16="http://schemas.microsoft.com/office/drawing/2014/main" id="{3251C60F-B911-433E-BF75-3BBEFD0538CB}"/>
+                </a:ext>
+                <a:ext uri="{C183D7F6-B498-43B3-948B-1728B52AA6E4}">
+                  <adec:decorative xmlns:adec="http://schemas.microsoft.com/office/drawing/2017/decorative" val="1"/>
+                </a:ext>
+              </a:extLst>
+            </p:cNvPr>
+            <p:cNvCxnSpPr/>
+            <p:nvPr>
+              <p:extLst>
+                <p:ext uri="{386F3935-93C4-4BCD-93E2-E3B085C9AB24}">
+                  <p16:designElem xmlns:p16="http://schemas.microsoft.com/office/powerpoint/2015/main" val="1"/>
+                </p:ext>
+              </p:extLst>
+            </p:nvPr>
+          </p:nvCxnSpPr>
+          <p:spPr>
+            <a:xfrm flipH="1">
+              <a:off x="10918826" y="3683001"/>
+              <a:ext cx="1270001" cy="1269999"/>
+            </a:xfrm>
+            <a:prstGeom prst="line">
+              <a:avLst/>
+            </a:prstGeom>
+            <a:ln w="28575">
+              <a:solidFill>
+                <a:schemeClr val="tx1"/>
+              </a:solidFill>
+            </a:ln>
+          </p:spPr>
+          <p:style>
+            <a:lnRef idx="2">
+              <a:schemeClr val="accent1"/>
+            </a:lnRef>
+            <a:fillRef idx="0">
+              <a:schemeClr val="accent1"/>
+            </a:fillRef>
+            <a:effectRef idx="1">
+              <a:schemeClr val="accent1"/>
+            </a:effectRef>
+            <a:fontRef idx="minor">
+              <a:schemeClr val="tx1"/>
+            </a:fontRef>
+          </p:style>
+        </p:cxnSp>
+      </p:grpSp>
+      <p:pic>
+        <p:nvPicPr>
+          <p:cNvPr id="12" name="Imagen 11">
+            <a:extLst>
+              <a:ext uri="{FF2B5EF4-FFF2-40B4-BE49-F238E27FC236}">
+                <a16:creationId xmlns:a16="http://schemas.microsoft.com/office/drawing/2014/main" id="{E5CC1942-2453-3CA6-9A55-665BF2A3FCBE}"/>
+              </a:ext>
+            </a:extLst>
+          </p:cNvPr>
+          <p:cNvPicPr>
+            <a:picLocks noChangeAspect="1"/>
+          </p:cNvPicPr>
+          <p:nvPr/>
+        </p:nvPicPr>
+        <p:blipFill>
+          <a:blip r:embed="rId3"/>
+          <a:stretch>
+            <a:fillRect/>
+          </a:stretch>
+        </p:blipFill>
+        <p:spPr>
+          <a:xfrm>
+            <a:off x="7604705" y="4974295"/>
+            <a:ext cx="3671307" cy="1312205"/>
+          </a:xfrm>
+          <a:prstGeom prst="rect">
+            <a:avLst/>
+          </a:prstGeom>
+        </p:spPr>
+      </p:pic>
     </p:spTree>
     <p:extLst>
       <p:ext uri="{BB962C8B-B14F-4D97-AF65-F5344CB8AC3E}">
-        <p14:creationId xmlns:p14="http://schemas.microsoft.com/office/powerpoint/2010/main" val="1947906938"/>
+        <p14:creationId xmlns:p14="http://schemas.microsoft.com/office/powerpoint/2010/main" val="837435539"/>
+      </p:ext>
+    </p:extLst>
+  </p:cSld>
+  <p:clrMapOvr>
+    <a:masterClrMapping/>
+  </p:clrMapOvr>
+</p:sld>
+</file>
+
+<file path=ppt/slides/slide9.xml><?xml version="1.0" encoding="utf-8"?>
+<p:sld xmlns:a="http://schemas.openxmlformats.org/drawingml/2006/main" xmlns:r="http://schemas.openxmlformats.org/officeDocument/2006/relationships" xmlns:p="http://schemas.openxmlformats.org/presentationml/2006/main">
+  <p:cSld>
+    <p:bg>
+      <p:bgPr>
+        <a:gradFill rotWithShape="1">
+          <a:gsLst>
+            <a:gs pos="10000">
+              <a:schemeClr val="bg2">
+                <a:tint val="97000"/>
+                <a:hueMod val="92000"/>
+                <a:satMod val="169000"/>
+                <a:lumMod val="164000"/>
+              </a:schemeClr>
+            </a:gs>
+            <a:gs pos="100000">
+              <a:schemeClr val="bg2">
+                <a:shade val="96000"/>
+                <a:satMod val="120000"/>
+                <a:lumMod val="90000"/>
+              </a:schemeClr>
+            </a:gs>
+          </a:gsLst>
+          <a:lin ang="6120000" scaled="1"/>
+        </a:gradFill>
+        <a:effectLst/>
+      </p:bgPr>
+    </p:bg>
+    <p:spTree>
+      <p:nvGrpSpPr>
+        <p:cNvPr id="1" name=""/>
+        <p:cNvGrpSpPr/>
+        <p:nvPr/>
+      </p:nvGrpSpPr>
+      <p:grpSpPr>
+        <a:xfrm>
+          <a:off x="0" y="0"/>
+          <a:ext cx="0" cy="0"/>
+          <a:chOff x="0" y="0"/>
+          <a:chExt cx="0" cy="0"/>
+        </a:xfrm>
+      </p:grpSpPr>
+      <p:grpSp>
+        <p:nvGrpSpPr>
+          <p:cNvPr id="15" name="Group 14">
+            <a:extLst>
+              <a:ext uri="{FF2B5EF4-FFF2-40B4-BE49-F238E27FC236}">
+                <a16:creationId xmlns:a16="http://schemas.microsoft.com/office/drawing/2014/main" id="{8F1EF17D-1B70-428C-8A8A-A2C5B390E1E9}"/>
+              </a:ext>
+              <a:ext uri="{C183D7F6-B498-43B3-948B-1728B52AA6E4}">
+                <adec:decorative xmlns:adec="http://schemas.microsoft.com/office/drawing/2017/decorative" val="1"/>
+              </a:ext>
+            </a:extLst>
+          </p:cNvPr>
+          <p:cNvGrpSpPr>
+            <a:grpSpLocks noGrp="1" noUngrp="1" noRot="1" noChangeAspect="1" noMove="1" noResize="1"/>
+          </p:cNvGrpSpPr>
+          <p:nvPr>
+            <p:extLst>
+              <p:ext uri="{386F3935-93C4-4BCD-93E2-E3B085C9AB24}">
+                <p16:designElem xmlns:p16="http://schemas.microsoft.com/office/powerpoint/2015/main" val="1"/>
+              </p:ext>
+            </p:extLst>
+          </p:nvPr>
+        </p:nvGrpSpPr>
+        <p:grpSpPr>
+          <a:xfrm>
+            <a:off x="9206969" y="2963333"/>
+            <a:ext cx="2981858" cy="3208867"/>
+            <a:chOff x="9206969" y="2963333"/>
+            <a:chExt cx="2981858" cy="3208867"/>
+          </a:xfrm>
+        </p:grpSpPr>
+        <p:cxnSp>
+          <p:nvCxnSpPr>
+            <p:cNvPr id="16" name="Straight Connector 15">
+              <a:extLst>
+                <a:ext uri="{FF2B5EF4-FFF2-40B4-BE49-F238E27FC236}">
+                  <a16:creationId xmlns:a16="http://schemas.microsoft.com/office/drawing/2014/main" id="{12FAEDF3-CEC8-4BF6-8EA7-4079C471838C}"/>
+                </a:ext>
+                <a:ext uri="{C183D7F6-B498-43B3-948B-1728B52AA6E4}">
+                  <adec:decorative xmlns:adec="http://schemas.microsoft.com/office/drawing/2017/decorative" val="1"/>
+                </a:ext>
+              </a:extLst>
+            </p:cNvPr>
+            <p:cNvCxnSpPr/>
+            <p:nvPr>
+              <p:extLst>
+                <p:ext uri="{386F3935-93C4-4BCD-93E2-E3B085C9AB24}">
+                  <p16:designElem xmlns:p16="http://schemas.microsoft.com/office/powerpoint/2015/main" val="1"/>
+                </p:ext>
+              </p:extLst>
+            </p:nvPr>
+          </p:nvCxnSpPr>
+          <p:spPr>
+            <a:xfrm flipH="1">
+              <a:off x="11276012" y="2963333"/>
+              <a:ext cx="912814" cy="912812"/>
+            </a:xfrm>
+            <a:prstGeom prst="line">
+              <a:avLst/>
+            </a:prstGeom>
+            <a:ln w="9525">
+              <a:solidFill>
+                <a:schemeClr val="tx1"/>
+              </a:solidFill>
+            </a:ln>
+          </p:spPr>
+          <p:style>
+            <a:lnRef idx="2">
+              <a:schemeClr val="accent1"/>
+            </a:lnRef>
+            <a:fillRef idx="0">
+              <a:schemeClr val="accent1"/>
+            </a:fillRef>
+            <a:effectRef idx="1">
+              <a:schemeClr val="accent1"/>
+            </a:effectRef>
+            <a:fontRef idx="minor">
+              <a:schemeClr val="tx1"/>
+            </a:fontRef>
+          </p:style>
+        </p:cxnSp>
+        <p:cxnSp>
+          <p:nvCxnSpPr>
+            <p:cNvPr id="17" name="Straight Connector 16">
+              <a:extLst>
+                <a:ext uri="{FF2B5EF4-FFF2-40B4-BE49-F238E27FC236}">
+                  <a16:creationId xmlns:a16="http://schemas.microsoft.com/office/drawing/2014/main" id="{398DB8F4-CD77-4FCC-8544-ADE8B478C151}"/>
+                </a:ext>
+                <a:ext uri="{C183D7F6-B498-43B3-948B-1728B52AA6E4}">
+                  <adec:decorative xmlns:adec="http://schemas.microsoft.com/office/drawing/2017/decorative" val="1"/>
+                </a:ext>
+              </a:extLst>
+            </p:cNvPr>
+            <p:cNvCxnSpPr/>
+            <p:nvPr>
+              <p:extLst>
+                <p:ext uri="{386F3935-93C4-4BCD-93E2-E3B085C9AB24}">
+                  <p16:designElem xmlns:p16="http://schemas.microsoft.com/office/powerpoint/2015/main" val="1"/>
+                </p:ext>
+              </p:extLst>
+            </p:nvPr>
+          </p:nvCxnSpPr>
+          <p:spPr>
+            <a:xfrm flipH="1">
+              <a:off x="9206969" y="3190344"/>
+              <a:ext cx="2981857" cy="2981856"/>
+            </a:xfrm>
+            <a:prstGeom prst="line">
+              <a:avLst/>
+            </a:prstGeom>
+            <a:ln w="9525">
+              <a:solidFill>
+                <a:schemeClr val="tx1"/>
+              </a:solidFill>
+            </a:ln>
+          </p:spPr>
+          <p:style>
+            <a:lnRef idx="2">
+              <a:schemeClr val="accent1"/>
+            </a:lnRef>
+            <a:fillRef idx="0">
+              <a:schemeClr val="accent1"/>
+            </a:fillRef>
+            <a:effectRef idx="1">
+              <a:schemeClr val="accent1"/>
+            </a:effectRef>
+            <a:fontRef idx="minor">
+              <a:schemeClr val="tx1"/>
+            </a:fontRef>
+          </p:style>
+        </p:cxnSp>
+        <p:cxnSp>
+          <p:nvCxnSpPr>
+            <p:cNvPr id="18" name="Straight Connector 17">
+              <a:extLst>
+                <a:ext uri="{FF2B5EF4-FFF2-40B4-BE49-F238E27FC236}">
+                  <a16:creationId xmlns:a16="http://schemas.microsoft.com/office/drawing/2014/main" id="{22202DFE-039D-48E4-8536-FA30F2489475}"/>
+                </a:ext>
+                <a:ext uri="{C183D7F6-B498-43B3-948B-1728B52AA6E4}">
+                  <adec:decorative xmlns:adec="http://schemas.microsoft.com/office/drawing/2017/decorative" val="1"/>
+                </a:ext>
+              </a:extLst>
+            </p:cNvPr>
+            <p:cNvCxnSpPr/>
+            <p:nvPr>
+              <p:extLst>
+                <p:ext uri="{386F3935-93C4-4BCD-93E2-E3B085C9AB24}">
+                  <p16:designElem xmlns:p16="http://schemas.microsoft.com/office/powerpoint/2015/main" val="1"/>
+                </p:ext>
+              </p:extLst>
+            </p:nvPr>
+          </p:nvCxnSpPr>
+          <p:spPr>
+            <a:xfrm flipH="1">
+              <a:off x="10292292" y="3285067"/>
+              <a:ext cx="1896534" cy="1896533"/>
+            </a:xfrm>
+            <a:prstGeom prst="line">
+              <a:avLst/>
+            </a:prstGeom>
+            <a:ln w="9525">
+              <a:solidFill>
+                <a:schemeClr val="tx1"/>
+              </a:solidFill>
+            </a:ln>
+          </p:spPr>
+          <p:style>
+            <a:lnRef idx="2">
+              <a:schemeClr val="accent1"/>
+            </a:lnRef>
+            <a:fillRef idx="0">
+              <a:schemeClr val="accent1"/>
+            </a:fillRef>
+            <a:effectRef idx="1">
+              <a:schemeClr val="accent1"/>
+            </a:effectRef>
+            <a:fontRef idx="minor">
+              <a:schemeClr val="tx1"/>
+            </a:fontRef>
+          </p:style>
+        </p:cxnSp>
+        <p:cxnSp>
+          <p:nvCxnSpPr>
+            <p:cNvPr id="19" name="Straight Connector 18">
+              <a:extLst>
+                <a:ext uri="{FF2B5EF4-FFF2-40B4-BE49-F238E27FC236}">
+                  <a16:creationId xmlns:a16="http://schemas.microsoft.com/office/drawing/2014/main" id="{81F05E26-510E-4164-83C7-28E4FE9D7EA3}"/>
+                </a:ext>
+                <a:ext uri="{C183D7F6-B498-43B3-948B-1728B52AA6E4}">
+                  <adec:decorative xmlns:adec="http://schemas.microsoft.com/office/drawing/2017/decorative" val="1"/>
+                </a:ext>
+              </a:extLst>
+            </p:cNvPr>
+            <p:cNvCxnSpPr/>
+            <p:nvPr>
+              <p:extLst>
+                <p:ext uri="{386F3935-93C4-4BCD-93E2-E3B085C9AB24}">
+                  <p16:designElem xmlns:p16="http://schemas.microsoft.com/office/powerpoint/2015/main" val="1"/>
+                </p:ext>
+              </p:extLst>
+            </p:nvPr>
+          </p:nvCxnSpPr>
+          <p:spPr>
+            <a:xfrm flipH="1">
+              <a:off x="10443103" y="3131080"/>
+              <a:ext cx="1745722" cy="1745720"/>
+            </a:xfrm>
+            <a:prstGeom prst="line">
+              <a:avLst/>
+            </a:prstGeom>
+            <a:ln w="28575">
+              <a:solidFill>
+                <a:schemeClr val="tx1"/>
+              </a:solidFill>
+            </a:ln>
+          </p:spPr>
+          <p:style>
+            <a:lnRef idx="2">
+              <a:schemeClr val="accent1"/>
+            </a:lnRef>
+            <a:fillRef idx="0">
+              <a:schemeClr val="accent1"/>
+            </a:fillRef>
+            <a:effectRef idx="1">
+              <a:schemeClr val="accent1"/>
+            </a:effectRef>
+            <a:fontRef idx="minor">
+              <a:schemeClr val="tx1"/>
+            </a:fontRef>
+          </p:style>
+        </p:cxnSp>
+        <p:cxnSp>
+          <p:nvCxnSpPr>
+            <p:cNvPr id="20" name="Straight Connector 19">
+              <a:extLst>
+                <a:ext uri="{FF2B5EF4-FFF2-40B4-BE49-F238E27FC236}">
+                  <a16:creationId xmlns:a16="http://schemas.microsoft.com/office/drawing/2014/main" id="{E632161A-50D4-4D96-887A-98FC9209310C}"/>
+                </a:ext>
+                <a:ext uri="{C183D7F6-B498-43B3-948B-1728B52AA6E4}">
+                  <adec:decorative xmlns:adec="http://schemas.microsoft.com/office/drawing/2017/decorative" val="1"/>
+                </a:ext>
+              </a:extLst>
+            </p:cNvPr>
+            <p:cNvCxnSpPr/>
+            <p:nvPr>
+              <p:extLst>
+                <p:ext uri="{386F3935-93C4-4BCD-93E2-E3B085C9AB24}">
+                  <p16:designElem xmlns:p16="http://schemas.microsoft.com/office/powerpoint/2015/main" val="1"/>
+                </p:ext>
+              </p:extLst>
+            </p:nvPr>
+          </p:nvCxnSpPr>
+          <p:spPr>
+            <a:xfrm flipH="1">
+              <a:off x="10918826" y="3683001"/>
+              <a:ext cx="1270001" cy="1269999"/>
+            </a:xfrm>
+            <a:prstGeom prst="line">
+              <a:avLst/>
+            </a:prstGeom>
+            <a:ln w="28575">
+              <a:solidFill>
+                <a:schemeClr val="tx1"/>
+              </a:solidFill>
+            </a:ln>
+          </p:spPr>
+          <p:style>
+            <a:lnRef idx="2">
+              <a:schemeClr val="accent1"/>
+            </a:lnRef>
+            <a:fillRef idx="0">
+              <a:schemeClr val="accent1"/>
+            </a:fillRef>
+            <a:effectRef idx="1">
+              <a:schemeClr val="accent1"/>
+            </a:effectRef>
+            <a:fontRef idx="minor">
+              <a:schemeClr val="tx1"/>
+            </a:fontRef>
+          </p:style>
+        </p:cxnSp>
+      </p:grpSp>
+      <p:sp useBgFill="1">
+        <p:nvSpPr>
+          <p:cNvPr id="22" name="Rectangle 21">
+            <a:extLst>
+              <a:ext uri="{FF2B5EF4-FFF2-40B4-BE49-F238E27FC236}">
+                <a16:creationId xmlns:a16="http://schemas.microsoft.com/office/drawing/2014/main" id="{E09CCB3F-DBCE-4964-9E34-8C5DE80EF4B5}"/>
+              </a:ext>
+              <a:ext uri="{C183D7F6-B498-43B3-948B-1728B52AA6E4}">
+                <adec:decorative xmlns:adec="http://schemas.microsoft.com/office/drawing/2017/decorative" val="1"/>
+              </a:ext>
+            </a:extLst>
+          </p:cNvPr>
+          <p:cNvSpPr>
+            <a:spLocks noGrp="1" noRot="1" noChangeAspect="1" noMove="1" noResize="1" noEditPoints="1" noAdjustHandles="1" noChangeArrowheads="1" noChangeShapeType="1" noTextEdit="1"/>
+          </p:cNvSpPr>
+          <p:nvPr>
+            <p:extLst>
+              <p:ext uri="{386F3935-93C4-4BCD-93E2-E3B085C9AB24}">
+                <p16:designElem xmlns:p16="http://schemas.microsoft.com/office/powerpoint/2015/main" val="1"/>
+              </p:ext>
+            </p:extLst>
+          </p:nvPr>
+        </p:nvSpPr>
+        <p:spPr>
+          <a:xfrm>
+            <a:off x="0" y="0"/>
+            <a:ext cx="12192000" cy="6858000"/>
+          </a:xfrm>
+          <a:prstGeom prst="rect">
+            <a:avLst/>
+          </a:prstGeom>
+          <a:ln>
+            <a:noFill/>
+          </a:ln>
+        </p:spPr>
+        <p:style>
+          <a:lnRef idx="2">
+            <a:schemeClr val="accent1">
+              <a:shade val="50000"/>
+            </a:schemeClr>
+          </a:lnRef>
+          <a:fillRef idx="1">
+            <a:schemeClr val="accent1"/>
+          </a:fillRef>
+          <a:effectRef idx="0">
+            <a:schemeClr val="accent1"/>
+          </a:effectRef>
+          <a:fontRef idx="minor">
+            <a:schemeClr val="lt1"/>
+          </a:fontRef>
+        </p:style>
+        <p:txBody>
+          <a:bodyPr rtlCol="0" anchor="ctr"/>
+          <a:lstStyle/>
+          <a:p>
+            <a:pPr algn="ctr"/>
+            <a:endParaRPr lang="en-US"/>
+          </a:p>
+        </p:txBody>
+      </p:sp>
+      <p:sp>
+        <p:nvSpPr>
+          <p:cNvPr id="2" name="Título 1">
+            <a:extLst>
+              <a:ext uri="{FF2B5EF4-FFF2-40B4-BE49-F238E27FC236}">
+                <a16:creationId xmlns:a16="http://schemas.microsoft.com/office/drawing/2014/main" id="{EC7B06C0-AEF4-ACFE-CE29-2F39E5901E38}"/>
+              </a:ext>
+            </a:extLst>
+          </p:cNvPr>
+          <p:cNvSpPr>
+            <a:spLocks noGrp="1"/>
+          </p:cNvSpPr>
+          <p:nvPr>
+            <p:ph type="title"/>
+          </p:nvPr>
+        </p:nvSpPr>
+        <p:spPr>
+          <a:xfrm>
+            <a:off x="7532710" y="620722"/>
+            <a:ext cx="3518748" cy="1142462"/>
+          </a:xfrm>
+        </p:spPr>
+        <p:txBody>
+          <a:bodyPr vert="horz" lIns="91440" tIns="45720" rIns="91440" bIns="45720" rtlCol="0" anchor="b">
+            <a:normAutofit/>
+          </a:bodyPr>
+          <a:lstStyle/>
+          <a:p>
+            <a:pPr>
+              <a:lnSpc>
+                <a:spcPct val="90000"/>
+              </a:lnSpc>
+            </a:pPr>
+            <a:r>
+              <a:rPr lang="en-US" sz="1100" b="0" i="0"/>
+              <a:t>Hipótesis 1: - Que los pacientes cuenten sus calorías consumidas de su ingesta diaria de alimentos ayuda tener un grado saludable respecto a la obesidad.</a:t>
+            </a:r>
+            <a:br>
+              <a:rPr lang="en-US" sz="1100" b="0" i="0"/>
+            </a:br>
+            <a:endParaRPr lang="en-US" sz="1100"/>
+          </a:p>
+        </p:txBody>
+      </p:sp>
+      <p:sp>
+        <p:nvSpPr>
+          <p:cNvPr id="24" name="Snip Diagonal Corner Rectangle 24">
+            <a:extLst>
+              <a:ext uri="{FF2B5EF4-FFF2-40B4-BE49-F238E27FC236}">
+                <a16:creationId xmlns:a16="http://schemas.microsoft.com/office/drawing/2014/main" id="{1DFF944F-74BA-483A-82C0-64E3AAF4AE98}"/>
+              </a:ext>
+              <a:ext uri="{C183D7F6-B498-43B3-948B-1728B52AA6E4}">
+                <adec:decorative xmlns:adec="http://schemas.microsoft.com/office/drawing/2017/decorative" val="1"/>
+              </a:ext>
+            </a:extLst>
+          </p:cNvPr>
+          <p:cNvSpPr>
+            <a:spLocks noGrp="1" noRot="1" noChangeAspect="1" noMove="1" noResize="1" noEditPoints="1" noAdjustHandles="1" noChangeArrowheads="1" noChangeShapeType="1" noTextEdit="1"/>
+          </p:cNvSpPr>
+          <p:nvPr>
+            <p:extLst>
+              <p:ext uri="{386F3935-93C4-4BCD-93E2-E3B085C9AB24}">
+                <p16:designElem xmlns:p16="http://schemas.microsoft.com/office/powerpoint/2015/main" val="1"/>
+              </p:ext>
+            </p:extLst>
+          </p:nvPr>
+        </p:nvSpPr>
+        <p:spPr>
+          <a:xfrm>
+            <a:off x="612990" y="620722"/>
+            <a:ext cx="6575496" cy="5286838"/>
+          </a:xfrm>
+          <a:prstGeom prst="snip2DiagRect">
+            <a:avLst>
+              <a:gd name="adj1" fmla="val 10787"/>
+              <a:gd name="adj2" fmla="val 0"/>
+            </a:avLst>
+          </a:prstGeom>
+          <a:solidFill>
+            <a:schemeClr val="tx1"/>
+          </a:solidFill>
+          <a:ln>
+            <a:noFill/>
+          </a:ln>
+          <a:effectLst>
+            <a:innerShdw blurRad="57150" dist="38100" dir="14460000">
+              <a:prstClr val="black">
+                <a:alpha val="70000"/>
+              </a:prstClr>
+            </a:innerShdw>
+          </a:effectLst>
+        </p:spPr>
+        <p:style>
+          <a:lnRef idx="2">
+            <a:schemeClr val="accent1">
+              <a:shade val="50000"/>
+            </a:schemeClr>
+          </a:lnRef>
+          <a:fillRef idx="1">
+            <a:schemeClr val="accent1"/>
+          </a:fillRef>
+          <a:effectRef idx="0">
+            <a:schemeClr val="accent1"/>
+          </a:effectRef>
+          <a:fontRef idx="minor">
+            <a:schemeClr val="lt1"/>
+          </a:fontRef>
+        </p:style>
+        <p:txBody>
+          <a:bodyPr rtlCol="0" anchor="ctr"/>
+          <a:lstStyle/>
+          <a:p>
+            <a:pPr algn="ctr"/>
+            <a:endParaRPr lang="en-US"/>
+          </a:p>
+        </p:txBody>
+      </p:sp>
+      <p:pic>
+        <p:nvPicPr>
+          <p:cNvPr id="7" name="Marcador de contenido 6">
+            <a:extLst>
+              <a:ext uri="{FF2B5EF4-FFF2-40B4-BE49-F238E27FC236}">
+                <a16:creationId xmlns:a16="http://schemas.microsoft.com/office/drawing/2014/main" id="{A96E237F-D044-323C-DEB5-D407475BCF6A}"/>
+              </a:ext>
+            </a:extLst>
+          </p:cNvPr>
+          <p:cNvPicPr>
+            <a:picLocks noGrp="1" noChangeAspect="1"/>
+          </p:cNvPicPr>
+          <p:nvPr>
+            <p:ph sz="half" idx="1"/>
+          </p:nvPr>
+        </p:nvPicPr>
+        <p:blipFill rotWithShape="1">
+          <a:blip r:embed="rId2"/>
+          <a:srcRect t="3519" r="-2" b="-2"/>
+          <a:stretch/>
+        </p:blipFill>
+        <p:spPr>
+          <a:xfrm>
+            <a:off x="778062" y="786117"/>
+            <a:ext cx="6245352" cy="4956048"/>
+          </a:xfrm>
+          <a:custGeom>
+            <a:avLst/>
+            <a:gdLst/>
+            <a:ahLst/>
+            <a:cxnLst/>
+            <a:rect l="l" t="t" r="r" b="b"/>
+            <a:pathLst>
+              <a:path w="6245352" h="4956048">
+                <a:moveTo>
+                  <a:pt x="534609" y="0"/>
+                </a:moveTo>
+                <a:lnTo>
+                  <a:pt x="6245352" y="0"/>
+                </a:lnTo>
+                <a:lnTo>
+                  <a:pt x="6245352" y="4421439"/>
+                </a:lnTo>
+                <a:lnTo>
+                  <a:pt x="5710743" y="4956048"/>
+                </a:lnTo>
+                <a:lnTo>
+                  <a:pt x="0" y="4956048"/>
+                </a:lnTo>
+                <a:lnTo>
+                  <a:pt x="0" y="534609"/>
+                </a:lnTo>
+                <a:close/>
+              </a:path>
+            </a:pathLst>
+          </a:custGeom>
+        </p:spPr>
+      </p:pic>
+      <p:sp>
+        <p:nvSpPr>
+          <p:cNvPr id="10" name="Marcador de contenido 9">
+            <a:extLst>
+              <a:ext uri="{FF2B5EF4-FFF2-40B4-BE49-F238E27FC236}">
+                <a16:creationId xmlns:a16="http://schemas.microsoft.com/office/drawing/2014/main" id="{BB4EA98D-42DB-A214-C7F6-1AB9122EEF8B}"/>
+              </a:ext>
+            </a:extLst>
+          </p:cNvPr>
+          <p:cNvSpPr>
+            <a:spLocks noGrp="1"/>
+          </p:cNvSpPr>
+          <p:nvPr>
+            <p:ph sz="half" idx="2"/>
+          </p:nvPr>
+        </p:nvSpPr>
+        <p:spPr>
+          <a:xfrm>
+            <a:off x="7532710" y="1822449"/>
+            <a:ext cx="3479419" cy="3070226"/>
+          </a:xfrm>
+        </p:spPr>
+        <p:txBody>
+          <a:bodyPr vert="horz" lIns="91440" tIns="45720" rIns="91440" bIns="45720" rtlCol="0" anchor="t">
+            <a:normAutofit/>
+          </a:bodyPr>
+          <a:lstStyle/>
+          <a:p>
+            <a:r>
+              <a:rPr lang="en-US" sz="1400" b="0" i="0"/>
+              <a:t>Podríamos pensar que se debe a las personas más jóvenes tienen habitualmente una mayor actividad física, </a:t>
+            </a:r>
+          </a:p>
+          <a:p>
+            <a:r>
+              <a:rPr lang="en-US" sz="1400"/>
+              <a:t>Pero </a:t>
+            </a:r>
+            <a:r>
+              <a:rPr lang="en-US" sz="1400" b="0" i="0"/>
+              <a:t>la distribución de los contadores de calorías en las categorías de Actividad Física (FAF) es bastante homogéneo</a:t>
+            </a:r>
+          </a:p>
+          <a:p>
+            <a:r>
+              <a:rPr lang="en-US" sz="1400" b="0" i="0"/>
+              <a:t>Por lo tanto, la actividad física es una variable que impacta en el resultado.</a:t>
+            </a:r>
+            <a:endParaRPr lang="en-US" sz="1400"/>
+          </a:p>
+        </p:txBody>
+      </p:sp>
+      <p:grpSp>
+        <p:nvGrpSpPr>
+          <p:cNvPr id="26" name="Group 25">
+            <a:extLst>
+              <a:ext uri="{FF2B5EF4-FFF2-40B4-BE49-F238E27FC236}">
+                <a16:creationId xmlns:a16="http://schemas.microsoft.com/office/drawing/2014/main" id="{A9733A91-F958-4629-801A-3F6F1E09AD64}"/>
+              </a:ext>
+              <a:ext uri="{C183D7F6-B498-43B3-948B-1728B52AA6E4}">
+                <adec:decorative xmlns:adec="http://schemas.microsoft.com/office/drawing/2017/decorative" val="1"/>
+              </a:ext>
+            </a:extLst>
+          </p:cNvPr>
+          <p:cNvGrpSpPr>
+            <a:grpSpLocks noGrp="1" noUngrp="1" noRot="1" noChangeAspect="1" noMove="1" noResize="1"/>
+          </p:cNvGrpSpPr>
+          <p:nvPr>
+            <p:extLst>
+              <p:ext uri="{386F3935-93C4-4BCD-93E2-E3B085C9AB24}">
+                <p16:designElem xmlns:p16="http://schemas.microsoft.com/office/powerpoint/2015/main" val="1"/>
+              </p:ext>
+            </p:extLst>
+          </p:nvPr>
+        </p:nvGrpSpPr>
+        <p:grpSpPr>
+          <a:xfrm>
+            <a:off x="9206969" y="2963333"/>
+            <a:ext cx="2981858" cy="3208867"/>
+            <a:chOff x="9206969" y="2963333"/>
+            <a:chExt cx="2981858" cy="3208867"/>
+          </a:xfrm>
+        </p:grpSpPr>
+        <p:cxnSp>
+          <p:nvCxnSpPr>
+            <p:cNvPr id="27" name="Straight Connector 26">
+              <a:extLst>
+                <a:ext uri="{FF2B5EF4-FFF2-40B4-BE49-F238E27FC236}">
+                  <a16:creationId xmlns:a16="http://schemas.microsoft.com/office/drawing/2014/main" id="{F3812972-C68B-4C59-B3A7-4AF61E935D4A}"/>
+                </a:ext>
+                <a:ext uri="{C183D7F6-B498-43B3-948B-1728B52AA6E4}">
+                  <adec:decorative xmlns:adec="http://schemas.microsoft.com/office/drawing/2017/decorative" val="1"/>
+                </a:ext>
+              </a:extLst>
+            </p:cNvPr>
+            <p:cNvCxnSpPr/>
+            <p:nvPr>
+              <p:extLst>
+                <p:ext uri="{386F3935-93C4-4BCD-93E2-E3B085C9AB24}">
+                  <p16:designElem xmlns:p16="http://schemas.microsoft.com/office/powerpoint/2015/main" val="1"/>
+                </p:ext>
+              </p:extLst>
+            </p:nvPr>
+          </p:nvCxnSpPr>
+          <p:spPr>
+            <a:xfrm flipH="1">
+              <a:off x="11276012" y="2963333"/>
+              <a:ext cx="912814" cy="912812"/>
+            </a:xfrm>
+            <a:prstGeom prst="line">
+              <a:avLst/>
+            </a:prstGeom>
+            <a:ln w="9525">
+              <a:solidFill>
+                <a:schemeClr val="tx1"/>
+              </a:solidFill>
+            </a:ln>
+          </p:spPr>
+          <p:style>
+            <a:lnRef idx="2">
+              <a:schemeClr val="accent1"/>
+            </a:lnRef>
+            <a:fillRef idx="0">
+              <a:schemeClr val="accent1"/>
+            </a:fillRef>
+            <a:effectRef idx="1">
+              <a:schemeClr val="accent1"/>
+            </a:effectRef>
+            <a:fontRef idx="minor">
+              <a:schemeClr val="tx1"/>
+            </a:fontRef>
+          </p:style>
+        </p:cxnSp>
+        <p:cxnSp>
+          <p:nvCxnSpPr>
+            <p:cNvPr id="28" name="Straight Connector 27">
+              <a:extLst>
+                <a:ext uri="{FF2B5EF4-FFF2-40B4-BE49-F238E27FC236}">
+                  <a16:creationId xmlns:a16="http://schemas.microsoft.com/office/drawing/2014/main" id="{CB3F3B7C-7909-4486-AA08-5C6B625C3A0A}"/>
+                </a:ext>
+                <a:ext uri="{C183D7F6-B498-43B3-948B-1728B52AA6E4}">
+                  <adec:decorative xmlns:adec="http://schemas.microsoft.com/office/drawing/2017/decorative" val="1"/>
+                </a:ext>
+              </a:extLst>
+            </p:cNvPr>
+            <p:cNvCxnSpPr/>
+            <p:nvPr>
+              <p:extLst>
+                <p:ext uri="{386F3935-93C4-4BCD-93E2-E3B085C9AB24}">
+                  <p16:designElem xmlns:p16="http://schemas.microsoft.com/office/powerpoint/2015/main" val="1"/>
+                </p:ext>
+              </p:extLst>
+            </p:nvPr>
+          </p:nvCxnSpPr>
+          <p:spPr>
+            <a:xfrm flipH="1">
+              <a:off x="9206969" y="3190344"/>
+              <a:ext cx="2981857" cy="2981856"/>
+            </a:xfrm>
+            <a:prstGeom prst="line">
+              <a:avLst/>
+            </a:prstGeom>
+            <a:ln w="9525">
+              <a:solidFill>
+                <a:schemeClr val="tx1"/>
+              </a:solidFill>
+            </a:ln>
+          </p:spPr>
+          <p:style>
+            <a:lnRef idx="2">
+              <a:schemeClr val="accent1"/>
+            </a:lnRef>
+            <a:fillRef idx="0">
+              <a:schemeClr val="accent1"/>
+            </a:fillRef>
+            <a:effectRef idx="1">
+              <a:schemeClr val="accent1"/>
+            </a:effectRef>
+            <a:fontRef idx="minor">
+              <a:schemeClr val="tx1"/>
+            </a:fontRef>
+          </p:style>
+        </p:cxnSp>
+        <p:cxnSp>
+          <p:nvCxnSpPr>
+            <p:cNvPr id="29" name="Straight Connector 28">
+              <a:extLst>
+                <a:ext uri="{FF2B5EF4-FFF2-40B4-BE49-F238E27FC236}">
+                  <a16:creationId xmlns:a16="http://schemas.microsoft.com/office/drawing/2014/main" id="{00BD7DA8-741F-4296-9363-05EF91541119}"/>
+                </a:ext>
+                <a:ext uri="{C183D7F6-B498-43B3-948B-1728B52AA6E4}">
+                  <adec:decorative xmlns:adec="http://schemas.microsoft.com/office/drawing/2017/decorative" val="1"/>
+                </a:ext>
+              </a:extLst>
+            </p:cNvPr>
+            <p:cNvCxnSpPr/>
+            <p:nvPr>
+              <p:extLst>
+                <p:ext uri="{386F3935-93C4-4BCD-93E2-E3B085C9AB24}">
+                  <p16:designElem xmlns:p16="http://schemas.microsoft.com/office/powerpoint/2015/main" val="1"/>
+                </p:ext>
+              </p:extLst>
+            </p:nvPr>
+          </p:nvCxnSpPr>
+          <p:spPr>
+            <a:xfrm flipH="1">
+              <a:off x="10292292" y="3285067"/>
+              <a:ext cx="1896534" cy="1896533"/>
+            </a:xfrm>
+            <a:prstGeom prst="line">
+              <a:avLst/>
+            </a:prstGeom>
+            <a:ln w="9525">
+              <a:solidFill>
+                <a:schemeClr val="tx1"/>
+              </a:solidFill>
+            </a:ln>
+          </p:spPr>
+          <p:style>
+            <a:lnRef idx="2">
+              <a:schemeClr val="accent1"/>
+            </a:lnRef>
+            <a:fillRef idx="0">
+              <a:schemeClr val="accent1"/>
+            </a:fillRef>
+            <a:effectRef idx="1">
+              <a:schemeClr val="accent1"/>
+            </a:effectRef>
+            <a:fontRef idx="minor">
+              <a:schemeClr val="tx1"/>
+            </a:fontRef>
+          </p:style>
+        </p:cxnSp>
+        <p:cxnSp>
+          <p:nvCxnSpPr>
+            <p:cNvPr id="30" name="Straight Connector 29">
+              <a:extLst>
+                <a:ext uri="{FF2B5EF4-FFF2-40B4-BE49-F238E27FC236}">
+                  <a16:creationId xmlns:a16="http://schemas.microsoft.com/office/drawing/2014/main" id="{62068EFC-20FC-456F-839F-4BCFFCAA8197}"/>
+                </a:ext>
+                <a:ext uri="{C183D7F6-B498-43B3-948B-1728B52AA6E4}">
+                  <adec:decorative xmlns:adec="http://schemas.microsoft.com/office/drawing/2017/decorative" val="1"/>
+                </a:ext>
+              </a:extLst>
+            </p:cNvPr>
+            <p:cNvCxnSpPr/>
+            <p:nvPr>
+              <p:extLst>
+                <p:ext uri="{386F3935-93C4-4BCD-93E2-E3B085C9AB24}">
+                  <p16:designElem xmlns:p16="http://schemas.microsoft.com/office/powerpoint/2015/main" val="1"/>
+                </p:ext>
+              </p:extLst>
+            </p:nvPr>
+          </p:nvCxnSpPr>
+          <p:spPr>
+            <a:xfrm flipH="1">
+              <a:off x="10443103" y="3131080"/>
+              <a:ext cx="1745722" cy="1745720"/>
+            </a:xfrm>
+            <a:prstGeom prst="line">
+              <a:avLst/>
+            </a:prstGeom>
+            <a:ln w="28575">
+              <a:solidFill>
+                <a:schemeClr val="tx1"/>
+              </a:solidFill>
+            </a:ln>
+          </p:spPr>
+          <p:style>
+            <a:lnRef idx="2">
+              <a:schemeClr val="accent1"/>
+            </a:lnRef>
+            <a:fillRef idx="0">
+              <a:schemeClr val="accent1"/>
+            </a:fillRef>
+            <a:effectRef idx="1">
+              <a:schemeClr val="accent1"/>
+            </a:effectRef>
+            <a:fontRef idx="minor">
+              <a:schemeClr val="tx1"/>
+            </a:fontRef>
+          </p:style>
+        </p:cxnSp>
+        <p:cxnSp>
+          <p:nvCxnSpPr>
+            <p:cNvPr id="31" name="Straight Connector 30">
+              <a:extLst>
+                <a:ext uri="{FF2B5EF4-FFF2-40B4-BE49-F238E27FC236}">
+                  <a16:creationId xmlns:a16="http://schemas.microsoft.com/office/drawing/2014/main" id="{3251C60F-B911-433E-BF75-3BBEFD0538CB}"/>
+                </a:ext>
+                <a:ext uri="{C183D7F6-B498-43B3-948B-1728B52AA6E4}">
+                  <adec:decorative xmlns:adec="http://schemas.microsoft.com/office/drawing/2017/decorative" val="1"/>
+                </a:ext>
+              </a:extLst>
+            </p:cNvPr>
+            <p:cNvCxnSpPr/>
+            <p:nvPr>
+              <p:extLst>
+                <p:ext uri="{386F3935-93C4-4BCD-93E2-E3B085C9AB24}">
+                  <p16:designElem xmlns:p16="http://schemas.microsoft.com/office/powerpoint/2015/main" val="1"/>
+                </p:ext>
+              </p:extLst>
+            </p:nvPr>
+          </p:nvCxnSpPr>
+          <p:spPr>
+            <a:xfrm flipH="1">
+              <a:off x="10918826" y="3683001"/>
+              <a:ext cx="1270001" cy="1269999"/>
+            </a:xfrm>
+            <a:prstGeom prst="line">
+              <a:avLst/>
+            </a:prstGeom>
+            <a:ln w="28575">
+              <a:solidFill>
+                <a:schemeClr val="tx1"/>
+              </a:solidFill>
+            </a:ln>
+          </p:spPr>
+          <p:style>
+            <a:lnRef idx="2">
+              <a:schemeClr val="accent1"/>
+            </a:lnRef>
+            <a:fillRef idx="0">
+              <a:schemeClr val="accent1"/>
+            </a:fillRef>
+            <a:effectRef idx="1">
+              <a:schemeClr val="accent1"/>
+            </a:effectRef>
+            <a:fontRef idx="minor">
+              <a:schemeClr val="tx1"/>
+            </a:fontRef>
+          </p:style>
+        </p:cxnSp>
+      </p:grpSp>
+      <p:pic>
+        <p:nvPicPr>
+          <p:cNvPr id="9" name="Imagen 8">
+            <a:extLst>
+              <a:ext uri="{FF2B5EF4-FFF2-40B4-BE49-F238E27FC236}">
+                <a16:creationId xmlns:a16="http://schemas.microsoft.com/office/drawing/2014/main" id="{8E51E3F6-DCA5-924E-8DD5-33D8A7E6B7F7}"/>
+              </a:ext>
+            </a:extLst>
+          </p:cNvPr>
+          <p:cNvPicPr>
+            <a:picLocks noChangeAspect="1"/>
+          </p:cNvPicPr>
+          <p:nvPr/>
+        </p:nvPicPr>
+        <p:blipFill>
+          <a:blip r:embed="rId3"/>
+          <a:stretch>
+            <a:fillRect/>
+          </a:stretch>
+        </p:blipFill>
+        <p:spPr>
+          <a:xfrm>
+            <a:off x="7635518" y="4681272"/>
+            <a:ext cx="2727682" cy="1552339"/>
+          </a:xfrm>
+          <a:prstGeom prst="rect">
+            <a:avLst/>
+          </a:prstGeom>
+        </p:spPr>
+      </p:pic>
+    </p:spTree>
+    <p:extLst>
+      <p:ext uri="{BB962C8B-B14F-4D97-AF65-F5344CB8AC3E}">
+        <p14:creationId xmlns:p14="http://schemas.microsoft.com/office/powerpoint/2010/main" val="887458296"/>
       </p:ext>
     </p:extLst>
   </p:cSld>
